--- a/Presentation on malware analysis using redline tool.pptx
+++ b/Presentation on malware analysis using redline tool.pptx
@@ -13,7 +13,8 @@
     <p:sldId id="261" r:id="rId7"/>
     <p:sldId id="262" r:id="rId8"/>
     <p:sldId id="263" r:id="rId9"/>
-    <p:sldId id="264" r:id="rId10"/>
+    <p:sldId id="265" r:id="rId10"/>
+    <p:sldId id="264" r:id="rId11"/>
   </p:sldIdLst>
   <p:sldSz cx="12192000" cy="6858000"/>
   <p:notesSz cx="6858000" cy="9144000"/>
@@ -112,6 +113,11 @@
       </a:defRPr>
     </a:lvl9pPr>
   </p:defaultTextStyle>
+  <p:extLst>
+    <p:ext uri="{EFAFB233-063F-42B5-8137-9DF3F51BA10A}">
+      <p15:sldGuideLst xmlns:p15="http://schemas.microsoft.com/office/powerpoint/2012/main"/>
+    </p:ext>
+  </p:extLst>
 </p:presentation>
 </file>
 
@@ -345,7 +351,7 @@
             <a:fld id="{B61BEF0D-F0BB-DE4B-95CE-6DB70DBA9567}" type="datetimeFigureOut">
               <a:rPr lang="en-US" dirty="0"/>
               <a:pPr/>
-              <a:t>4/9/2023</a:t>
+              <a:t>4/12/2023</a:t>
             </a:fld>
             <a:endParaRPr lang="en-US" dirty="0"/>
           </a:p>
@@ -676,7 +682,7 @@
             <a:fld id="{B61BEF0D-F0BB-DE4B-95CE-6DB70DBA9567}" type="datetimeFigureOut">
               <a:rPr lang="en-US" dirty="0"/>
               <a:pPr/>
-              <a:t>4/9/2023</a:t>
+              <a:t>4/12/2023</a:t>
             </a:fld>
             <a:endParaRPr lang="en-US" dirty="0"/>
           </a:p>
@@ -951,7 +957,7 @@
             <a:fld id="{B61BEF0D-F0BB-DE4B-95CE-6DB70DBA9567}" type="datetimeFigureOut">
               <a:rPr lang="en-US" dirty="0"/>
               <a:pPr/>
-              <a:t>4/9/2023</a:t>
+              <a:t>4/12/2023</a:t>
             </a:fld>
             <a:endParaRPr lang="en-US" dirty="0"/>
           </a:p>
@@ -1516,7 +1522,7 @@
             <a:fld id="{B61BEF0D-F0BB-DE4B-95CE-6DB70DBA9567}" type="datetimeFigureOut">
               <a:rPr lang="en-US" dirty="0"/>
               <a:pPr/>
-              <a:t>4/9/2023</a:t>
+              <a:t>4/12/2023</a:t>
             </a:fld>
             <a:endParaRPr lang="en-US" dirty="0"/>
           </a:p>
@@ -1791,7 +1797,7 @@
             <a:fld id="{B61BEF0D-F0BB-DE4B-95CE-6DB70DBA9567}" type="datetimeFigureOut">
               <a:rPr lang="en-US" dirty="0"/>
               <a:pPr/>
-              <a:t>4/9/2023</a:t>
+              <a:t>4/12/2023</a:t>
             </a:fld>
             <a:endParaRPr lang="en-US" dirty="0"/>
           </a:p>
@@ -2350,7 +2356,7 @@
             <a:fld id="{B61BEF0D-F0BB-DE4B-95CE-6DB70DBA9567}" type="datetimeFigureOut">
               <a:rPr lang="en-US" dirty="0"/>
               <a:pPr/>
-              <a:t>4/9/2023</a:t>
+              <a:t>4/12/2023</a:t>
             </a:fld>
             <a:endParaRPr lang="en-US" dirty="0"/>
           </a:p>
@@ -2674,7 +2680,7 @@
             <a:fld id="{B61BEF0D-F0BB-DE4B-95CE-6DB70DBA9567}" type="datetimeFigureOut">
               <a:rPr lang="en-US" dirty="0"/>
               <a:pPr/>
-              <a:t>4/9/2023</a:t>
+              <a:t>4/12/2023</a:t>
             </a:fld>
             <a:endParaRPr lang="en-US" dirty="0"/>
           </a:p>
@@ -2848,7 +2854,7 @@
             <a:fld id="{B61BEF0D-F0BB-DE4B-95CE-6DB70DBA9567}" type="datetimeFigureOut">
               <a:rPr lang="en-US" dirty="0"/>
               <a:pPr/>
-              <a:t>4/9/2023</a:t>
+              <a:t>4/12/2023</a:t>
             </a:fld>
             <a:endParaRPr lang="en-US" dirty="0"/>
           </a:p>
@@ -3083,7 +3089,7 @@
             <a:fld id="{B61BEF0D-F0BB-DE4B-95CE-6DB70DBA9567}" type="datetimeFigureOut">
               <a:rPr lang="en-US" dirty="0"/>
               <a:pPr/>
-              <a:t>4/9/2023</a:t>
+              <a:t>4/12/2023</a:t>
             </a:fld>
             <a:endParaRPr lang="en-US" dirty="0"/>
           </a:p>
@@ -3280,7 +3286,7 @@
             <a:fld id="{B61BEF0D-F0BB-DE4B-95CE-6DB70DBA9567}" type="datetimeFigureOut">
               <a:rPr lang="en-US" dirty="0"/>
               <a:pPr/>
-              <a:t>4/9/2023</a:t>
+              <a:t>4/12/2023</a:t>
             </a:fld>
             <a:endParaRPr lang="en-US" dirty="0"/>
           </a:p>
@@ -3553,7 +3559,7 @@
             <a:fld id="{B61BEF0D-F0BB-DE4B-95CE-6DB70DBA9567}" type="datetimeFigureOut">
               <a:rPr lang="en-US" dirty="0"/>
               <a:pPr/>
-              <a:t>4/9/2023</a:t>
+              <a:t>4/12/2023</a:t>
             </a:fld>
             <a:endParaRPr lang="en-US" dirty="0"/>
           </a:p>
@@ -3816,7 +3822,7 @@
             <a:fld id="{B61BEF0D-F0BB-DE4B-95CE-6DB70DBA9567}" type="datetimeFigureOut">
               <a:rPr lang="en-US" dirty="0"/>
               <a:pPr/>
-              <a:t>4/9/2023</a:t>
+              <a:t>4/12/2023</a:t>
             </a:fld>
             <a:endParaRPr lang="en-US" dirty="0"/>
           </a:p>
@@ -4187,7 +4193,7 @@
             <a:fld id="{B61BEF0D-F0BB-DE4B-95CE-6DB70DBA9567}" type="datetimeFigureOut">
               <a:rPr lang="en-US" dirty="0"/>
               <a:pPr/>
-              <a:t>4/9/2023</a:t>
+              <a:t>4/12/2023</a:t>
             </a:fld>
             <a:endParaRPr lang="en-US" dirty="0"/>
           </a:p>
@@ -4332,7 +4338,7 @@
             <a:fld id="{B61BEF0D-F0BB-DE4B-95CE-6DB70DBA9567}" type="datetimeFigureOut">
               <a:rPr lang="en-US" dirty="0"/>
               <a:pPr/>
-              <a:t>4/9/2023</a:t>
+              <a:t>4/12/2023</a:t>
             </a:fld>
             <a:endParaRPr lang="en-US" dirty="0"/>
           </a:p>
@@ -4454,7 +4460,7 @@
             <a:fld id="{B61BEF0D-F0BB-DE4B-95CE-6DB70DBA9567}" type="datetimeFigureOut">
               <a:rPr lang="en-US" dirty="0"/>
               <a:pPr/>
-              <a:t>4/9/2023</a:t>
+              <a:t>4/12/2023</a:t>
             </a:fld>
             <a:endParaRPr lang="en-US" dirty="0"/>
           </a:p>
@@ -4736,7 +4742,7 @@
             <a:fld id="{B61BEF0D-F0BB-DE4B-95CE-6DB70DBA9567}" type="datetimeFigureOut">
               <a:rPr lang="en-US" dirty="0"/>
               <a:pPr/>
-              <a:t>4/9/2023</a:t>
+              <a:t>4/12/2023</a:t>
             </a:fld>
             <a:endParaRPr lang="en-US" dirty="0"/>
           </a:p>
@@ -5057,7 +5063,7 @@
             <a:fld id="{B61BEF0D-F0BB-DE4B-95CE-6DB70DBA9567}" type="datetimeFigureOut">
               <a:rPr lang="en-US" dirty="0"/>
               <a:pPr/>
-              <a:t>4/9/2023</a:t>
+              <a:t>4/12/2023</a:t>
             </a:fld>
             <a:endParaRPr lang="en-US" dirty="0"/>
           </a:p>
@@ -5268,7 +5274,7 @@
             <a:fld id="{B61BEF0D-F0BB-DE4B-95CE-6DB70DBA9567}" type="datetimeFigureOut">
               <a:rPr lang="en-US" dirty="0"/>
               <a:pPr/>
-              <a:t>4/9/2023</a:t>
+              <a:t>4/12/2023</a:t>
             </a:fld>
             <a:endParaRPr lang="en-US" dirty="0"/>
           </a:p>
@@ -5852,6 +5858,76 @@
 </p:sld>
 </file>
 
+<file path=ppt/slides/slide10.xml><?xml version="1.0" encoding="utf-8"?>
+<p:sld xmlns:a="http://schemas.openxmlformats.org/drawingml/2006/main" xmlns:r="http://schemas.openxmlformats.org/officeDocument/2006/relationships" xmlns:p="http://schemas.openxmlformats.org/presentationml/2006/main">
+  <p:cSld>
+    <p:spTree>
+      <p:nvGrpSpPr>
+        <p:cNvPr id="1" name=""/>
+        <p:cNvGrpSpPr/>
+        <p:nvPr/>
+      </p:nvGrpSpPr>
+      <p:grpSpPr>
+        <a:xfrm>
+          <a:off x="0" y="0"/>
+          <a:ext cx="0" cy="0"/>
+          <a:chOff x="0" y="0"/>
+          <a:chExt cx="0" cy="0"/>
+        </a:xfrm>
+      </p:grpSpPr>
+      <p:sp>
+        <p:nvSpPr>
+          <p:cNvPr id="2" name="Title 1">
+            <a:extLst>
+              <a:ext uri="{FF2B5EF4-FFF2-40B4-BE49-F238E27FC236}">
+                <a16:creationId xmlns:a16="http://schemas.microsoft.com/office/drawing/2014/main" id="{A957C060-D94C-AA19-BC32-79CAE729DABC}"/>
+              </a:ext>
+            </a:extLst>
+          </p:cNvPr>
+          <p:cNvSpPr>
+            <a:spLocks noGrp="1"/>
+          </p:cNvSpPr>
+          <p:nvPr>
+            <p:ph type="title"/>
+          </p:nvPr>
+        </p:nvSpPr>
+        <p:spPr>
+          <a:xfrm>
+            <a:off x="1030287" y="2642009"/>
+            <a:ext cx="10131425" cy="1456267"/>
+          </a:xfrm>
+        </p:spPr>
+        <p:txBody>
+          <a:bodyPr>
+            <a:normAutofit/>
+          </a:bodyPr>
+          <a:lstStyle/>
+          <a:p>
+            <a:pPr algn="ctr"/>
+            <a:r>
+              <a:rPr lang="en-IN" sz="4400" b="1" dirty="0"/>
+              <a:t>Thank you</a:t>
+            </a:r>
+            <a:br>
+              <a:rPr lang="en-IN" sz="4400" b="1" dirty="0"/>
+            </a:br>
+            <a:endParaRPr lang="en-IN" sz="4400" b="1" dirty="0"/>
+          </a:p>
+        </p:txBody>
+      </p:sp>
+    </p:spTree>
+    <p:extLst>
+      <p:ext uri="{BB962C8B-B14F-4D97-AF65-F5344CB8AC3E}">
+        <p14:creationId xmlns:p14="http://schemas.microsoft.com/office/powerpoint/2010/main" val="3396563163"/>
+      </p:ext>
+    </p:extLst>
+  </p:cSld>
+  <p:clrMapOvr>
+    <a:masterClrMapping/>
+  </p:clrMapOvr>
+</p:sld>
+</file>
+
 <file path=ppt/slides/slide2.xml><?xml version="1.0" encoding="utf-8"?>
 <p:sld xmlns:a="http://schemas.openxmlformats.org/drawingml/2006/main" xmlns:r="http://schemas.openxmlformats.org/officeDocument/2006/relationships" xmlns:p="http://schemas.openxmlformats.org/presentationml/2006/main">
   <p:cSld>
@@ -5921,6 +5997,7 @@
           </a:bodyPr>
           <a:lstStyle/>
           <a:p>
+            <a:pPr algn="l"/>
             <a:r>
               <a:rPr lang="en-US" sz="2000" b="0" i="0" dirty="0">
                 <a:solidFill>
@@ -5929,9 +6006,31 @@
                 <a:effectLst/>
                 <a:latin typeface="Söhne"/>
               </a:rPr>
-              <a:t>The purpose of this project is to analyze malware using the Redline tool. Redline is a free open-source tool for malware analysis that provides a variety of capabilities to analyze and investigate malware incidents. The scope of this project includes the installation, configuration, and use of Redline for malware analysis.</a:t>
-            </a:r>
-            <a:endParaRPr lang="en-IN" sz="2000" dirty="0"/>
+              <a:t>Malware analysis is a crucial aspect of cybersecurity, and it is essential to understand the behavior of malicious software in order to develop effective countermeasures. One powerful tool used in the analysis of malware is Redline. Redline is a free tool created by FireEye, and it is designed to assist in identifying and analyzing malicious activity on Windows-based systems.</a:t>
+            </a:r>
+          </a:p>
+          <a:p>
+            <a:pPr algn="l"/>
+            <a:r>
+              <a:rPr lang="en-US" sz="2000" b="0" i="0" dirty="0">
+                <a:solidFill>
+                  <a:srgbClr val="D1D5DB"/>
+                </a:solidFill>
+                <a:effectLst/>
+                <a:latin typeface="Söhne"/>
+              </a:rPr>
+              <a:t>In this project, we will explore the capabilities of Redline and how it can be used to identify malware on a Windows system. We will examine different types of malware and analyze their behavior using the Redline tool. </a:t>
+            </a:r>
+            <a:r>
+              <a:rPr lang="en-US" sz="2000" b="0" i="0">
+                <a:solidFill>
+                  <a:srgbClr val="D1D5DB"/>
+                </a:solidFill>
+                <a:effectLst/>
+                <a:latin typeface="Söhne"/>
+              </a:rPr>
+              <a:t>By the end of this project, you will have a thorough understanding of how to use Redline for malware analysis and be able to apply this knowledge to improve your own organization's cybersecurity defenses.</a:t>
+            </a:r>
           </a:p>
         </p:txBody>
       </p:sp>
@@ -6570,7 +6669,7 @@
           <p:cNvPr id="2" name="Title 1">
             <a:extLst>
               <a:ext uri="{FF2B5EF4-FFF2-40B4-BE49-F238E27FC236}">
-                <a16:creationId xmlns:a16="http://schemas.microsoft.com/office/drawing/2014/main" id="{A957C060-D94C-AA19-BC32-79CAE729DABC}"/>
+                <a16:creationId xmlns:a16="http://schemas.microsoft.com/office/drawing/2014/main" id="{4FEF7526-78DD-9F86-6231-13ADBFC1759C}"/>
               </a:ext>
             </a:extLst>
           </p:cNvPr>
@@ -6581,34 +6680,93 @@
             <p:ph type="title"/>
           </p:nvPr>
         </p:nvSpPr>
-        <p:spPr>
-          <a:xfrm>
-            <a:off x="1030287" y="2642009"/>
-            <a:ext cx="10131425" cy="1456267"/>
-          </a:xfrm>
-        </p:spPr>
-        <p:txBody>
-          <a:bodyPr>
-            <a:normAutofit/>
-          </a:bodyPr>
-          <a:lstStyle/>
-          <a:p>
-            <a:pPr algn="ctr"/>
-            <a:r>
-              <a:rPr lang="en-IN" sz="4400" b="1" dirty="0"/>
-              <a:t>Thank you</a:t>
-            </a:r>
-            <a:br>
-              <a:rPr lang="en-IN" sz="4400" b="1" dirty="0"/>
-            </a:br>
-            <a:endParaRPr lang="en-IN" sz="4400" b="1" dirty="0"/>
+        <p:spPr/>
+        <p:txBody>
+          <a:bodyPr/>
+          <a:lstStyle/>
+          <a:p>
+            <a:r>
+              <a:rPr lang="en-IN" b="1" dirty="0"/>
+              <a:t>Conclusion</a:t>
+            </a:r>
+          </a:p>
+        </p:txBody>
+      </p:sp>
+      <p:sp>
+        <p:nvSpPr>
+          <p:cNvPr id="3" name="Content Placeholder 2">
+            <a:extLst>
+              <a:ext uri="{FF2B5EF4-FFF2-40B4-BE49-F238E27FC236}">
+                <a16:creationId xmlns:a16="http://schemas.microsoft.com/office/drawing/2014/main" id="{E077798D-B2ED-4095-DA32-523042CBEE18}"/>
+              </a:ext>
+            </a:extLst>
+          </p:cNvPr>
+          <p:cNvSpPr>
+            <a:spLocks noGrp="1"/>
+          </p:cNvSpPr>
+          <p:nvPr>
+            <p:ph idx="1"/>
+          </p:nvPr>
+        </p:nvSpPr>
+        <p:spPr/>
+        <p:txBody>
+          <a:bodyPr/>
+          <a:lstStyle/>
+          <a:p>
+            <a:pPr algn="l"/>
+            <a:r>
+              <a:rPr lang="en-US" b="0" i="0" dirty="0">
+                <a:solidFill>
+                  <a:srgbClr val="D1D5DB"/>
+                </a:solidFill>
+                <a:effectLst/>
+                <a:latin typeface="Söhne"/>
+              </a:rPr>
+              <a:t>In conclusion, the use of Redline tool for malware analysis has proven to be an effective and efficient method for identifying and analyzing malicious activity on a system. With its powerful capabilities, such as memory and file analysis, timeline creation, and automated collection of forensic data, Redline has become an essential tool for both incident response teams and malware analysts.</a:t>
+            </a:r>
+          </a:p>
+          <a:p>
+            <a:pPr algn="l"/>
+            <a:r>
+              <a:rPr lang="en-US" b="0" i="0" dirty="0">
+                <a:solidFill>
+                  <a:srgbClr val="D1D5DB"/>
+                </a:solidFill>
+                <a:effectLst/>
+                <a:latin typeface="Söhne"/>
+              </a:rPr>
+              <a:t>By utilizing </a:t>
+            </a:r>
+            <a:r>
+              <a:rPr lang="en-US" b="0" i="0" dirty="0" err="1">
+                <a:solidFill>
+                  <a:srgbClr val="D1D5DB"/>
+                </a:solidFill>
+                <a:effectLst/>
+                <a:latin typeface="Söhne"/>
+              </a:rPr>
+              <a:t>Redline's</a:t>
+            </a:r>
+            <a:r>
+              <a:rPr lang="en-US" b="0" i="0" dirty="0">
+                <a:solidFill>
+                  <a:srgbClr val="D1D5DB"/>
+                </a:solidFill>
+                <a:effectLst/>
+                <a:latin typeface="Söhne"/>
+              </a:rPr>
+              <a:t> features, analysts are able to quickly identify indicators of compromise, such as malicious processes, network connections, and registry changes. This information can then be used to contain and eradicate the malware, as well as prevent future attacks. Overall, the Redline tool has proven to be an invaluable asset in the fight against malware and cyber threats.</a:t>
+            </a:r>
+          </a:p>
+          <a:p>
+            <a:endParaRPr lang="en-IN" dirty="0"/>
           </a:p>
         </p:txBody>
       </p:sp>
     </p:spTree>
     <p:extLst>
       <p:ext uri="{BB962C8B-B14F-4D97-AF65-F5344CB8AC3E}">
-        <p14:creationId xmlns:p14="http://schemas.microsoft.com/office/powerpoint/2010/main" val="3396563163"/>
+        <p14:creationId xmlns:p14="http://schemas.microsoft.com/office/powerpoint/2010/main" val="74263144"/>
       </p:ext>
     </p:extLst>
   </p:cSld>

--- a/Presentation on malware analysis using redline tool.pptx
+++ b/Presentation on malware analysis using redline tool.pptx
@@ -7,14 +7,16 @@
   <p:sldIdLst>
     <p:sldId id="256" r:id="rId2"/>
     <p:sldId id="257" r:id="rId3"/>
-    <p:sldId id="258" r:id="rId4"/>
-    <p:sldId id="259" r:id="rId5"/>
-    <p:sldId id="260" r:id="rId6"/>
-    <p:sldId id="261" r:id="rId7"/>
-    <p:sldId id="262" r:id="rId8"/>
-    <p:sldId id="263" r:id="rId9"/>
-    <p:sldId id="265" r:id="rId10"/>
-    <p:sldId id="264" r:id="rId11"/>
+    <p:sldId id="266" r:id="rId4"/>
+    <p:sldId id="267" r:id="rId5"/>
+    <p:sldId id="258" r:id="rId6"/>
+    <p:sldId id="259" r:id="rId7"/>
+    <p:sldId id="260" r:id="rId8"/>
+    <p:sldId id="261" r:id="rId9"/>
+    <p:sldId id="262" r:id="rId10"/>
+    <p:sldId id="263" r:id="rId11"/>
+    <p:sldId id="265" r:id="rId12"/>
+    <p:sldId id="264" r:id="rId13"/>
   </p:sldIdLst>
   <p:sldSz cx="12192000" cy="6858000"/>
   <p:notesSz cx="6858000" cy="9144000"/>
@@ -5880,6 +5882,220 @@
           <p:cNvPr id="2" name="Title 1">
             <a:extLst>
               <a:ext uri="{FF2B5EF4-FFF2-40B4-BE49-F238E27FC236}">
+                <a16:creationId xmlns:a16="http://schemas.microsoft.com/office/drawing/2014/main" id="{1C55B45E-8692-765C-2B1E-2E52BAD2F0BF}"/>
+              </a:ext>
+            </a:extLst>
+          </p:cNvPr>
+          <p:cNvSpPr>
+            <a:spLocks noGrp="1"/>
+          </p:cNvSpPr>
+          <p:nvPr>
+            <p:ph type="title"/>
+          </p:nvPr>
+        </p:nvSpPr>
+        <p:spPr/>
+        <p:txBody>
+          <a:bodyPr/>
+          <a:lstStyle/>
+          <a:p>
+            <a:pPr algn="ctr"/>
+            <a:endParaRPr lang="en-IN" dirty="0"/>
+          </a:p>
+        </p:txBody>
+      </p:sp>
+      <p:pic>
+        <p:nvPicPr>
+          <p:cNvPr id="5" name="Content Placeholder 4" descr="A screenshot of a computer&#10;&#10;Description automatically generated">
+            <a:extLst>
+              <a:ext uri="{FF2B5EF4-FFF2-40B4-BE49-F238E27FC236}">
+                <a16:creationId xmlns:a16="http://schemas.microsoft.com/office/drawing/2014/main" id="{8A5FAA56-0C06-8367-AACB-A9C13EE63B9A}"/>
+              </a:ext>
+            </a:extLst>
+          </p:cNvPr>
+          <p:cNvPicPr>
+            <a:picLocks noGrp="1" noChangeAspect="1"/>
+          </p:cNvPicPr>
+          <p:nvPr>
+            <p:ph idx="1"/>
+          </p:nvPr>
+        </p:nvPicPr>
+        <p:blipFill>
+          <a:blip r:embed="rId2"/>
+          <a:stretch>
+            <a:fillRect/>
+          </a:stretch>
+        </p:blipFill>
+        <p:spPr>
+          <a:xfrm>
+            <a:off x="180645" y="93306"/>
+            <a:ext cx="11628015" cy="6540759"/>
+          </a:xfrm>
+        </p:spPr>
+      </p:pic>
+    </p:spTree>
+    <p:extLst>
+      <p:ext uri="{BB962C8B-B14F-4D97-AF65-F5344CB8AC3E}">
+        <p14:creationId xmlns:p14="http://schemas.microsoft.com/office/powerpoint/2010/main" val="1269773685"/>
+      </p:ext>
+    </p:extLst>
+  </p:cSld>
+  <p:clrMapOvr>
+    <a:masterClrMapping/>
+  </p:clrMapOvr>
+</p:sld>
+</file>
+
+<file path=ppt/slides/slide11.xml><?xml version="1.0" encoding="utf-8"?>
+<p:sld xmlns:a="http://schemas.openxmlformats.org/drawingml/2006/main" xmlns:r="http://schemas.openxmlformats.org/officeDocument/2006/relationships" xmlns:p="http://schemas.openxmlformats.org/presentationml/2006/main">
+  <p:cSld>
+    <p:spTree>
+      <p:nvGrpSpPr>
+        <p:cNvPr id="1" name=""/>
+        <p:cNvGrpSpPr/>
+        <p:nvPr/>
+      </p:nvGrpSpPr>
+      <p:grpSpPr>
+        <a:xfrm>
+          <a:off x="0" y="0"/>
+          <a:ext cx="0" cy="0"/>
+          <a:chOff x="0" y="0"/>
+          <a:chExt cx="0" cy="0"/>
+        </a:xfrm>
+      </p:grpSpPr>
+      <p:sp>
+        <p:nvSpPr>
+          <p:cNvPr id="2" name="Title 1">
+            <a:extLst>
+              <a:ext uri="{FF2B5EF4-FFF2-40B4-BE49-F238E27FC236}">
+                <a16:creationId xmlns:a16="http://schemas.microsoft.com/office/drawing/2014/main" id="{4FEF7526-78DD-9F86-6231-13ADBFC1759C}"/>
+              </a:ext>
+            </a:extLst>
+          </p:cNvPr>
+          <p:cNvSpPr>
+            <a:spLocks noGrp="1"/>
+          </p:cNvSpPr>
+          <p:nvPr>
+            <p:ph type="title"/>
+          </p:nvPr>
+        </p:nvSpPr>
+        <p:spPr/>
+        <p:txBody>
+          <a:bodyPr/>
+          <a:lstStyle/>
+          <a:p>
+            <a:r>
+              <a:rPr lang="en-IN" b="1" dirty="0"/>
+              <a:t>Conclusion</a:t>
+            </a:r>
+          </a:p>
+        </p:txBody>
+      </p:sp>
+      <p:sp>
+        <p:nvSpPr>
+          <p:cNvPr id="3" name="Content Placeholder 2">
+            <a:extLst>
+              <a:ext uri="{FF2B5EF4-FFF2-40B4-BE49-F238E27FC236}">
+                <a16:creationId xmlns:a16="http://schemas.microsoft.com/office/drawing/2014/main" id="{E077798D-B2ED-4095-DA32-523042CBEE18}"/>
+              </a:ext>
+            </a:extLst>
+          </p:cNvPr>
+          <p:cNvSpPr>
+            <a:spLocks noGrp="1"/>
+          </p:cNvSpPr>
+          <p:nvPr>
+            <p:ph idx="1"/>
+          </p:nvPr>
+        </p:nvSpPr>
+        <p:spPr/>
+        <p:txBody>
+          <a:bodyPr/>
+          <a:lstStyle/>
+          <a:p>
+            <a:pPr algn="l"/>
+            <a:r>
+              <a:rPr lang="en-US" b="0" i="0" dirty="0">
+                <a:solidFill>
+                  <a:srgbClr val="D1D5DB"/>
+                </a:solidFill>
+                <a:effectLst/>
+                <a:latin typeface="Söhne"/>
+              </a:rPr>
+              <a:t>In conclusion, the use of Redline tool for malware analysis has proven to be an effective and efficient method for identifying and analyzing malicious activity on a system. With its powerful capabilities, such as memory and file analysis, timeline creation, and automated collection of forensic data, Redline has become an essential tool for both incident response teams and malware analysts.</a:t>
+            </a:r>
+          </a:p>
+          <a:p>
+            <a:pPr algn="l"/>
+            <a:r>
+              <a:rPr lang="en-US" b="0" i="0" dirty="0">
+                <a:solidFill>
+                  <a:srgbClr val="D1D5DB"/>
+                </a:solidFill>
+                <a:effectLst/>
+                <a:latin typeface="Söhne"/>
+              </a:rPr>
+              <a:t>By utilizing </a:t>
+            </a:r>
+            <a:r>
+              <a:rPr lang="en-US" b="0" i="0" dirty="0" err="1">
+                <a:solidFill>
+                  <a:srgbClr val="D1D5DB"/>
+                </a:solidFill>
+                <a:effectLst/>
+                <a:latin typeface="Söhne"/>
+              </a:rPr>
+              <a:t>Redline's</a:t>
+            </a:r>
+            <a:r>
+              <a:rPr lang="en-US" b="0" i="0" dirty="0">
+                <a:solidFill>
+                  <a:srgbClr val="D1D5DB"/>
+                </a:solidFill>
+                <a:effectLst/>
+                <a:latin typeface="Söhne"/>
+              </a:rPr>
+              <a:t> features, analysts are able to quickly identify indicators of compromise, such as malicious processes, network connections, and registry changes. This information can then be used to contain and eradicate the malware, as well as prevent future attacks. Overall, the Redline tool has proven to be an invaluable asset in the fight against malware and cyber threats.</a:t>
+            </a:r>
+          </a:p>
+          <a:p>
+            <a:endParaRPr lang="en-IN" dirty="0"/>
+          </a:p>
+        </p:txBody>
+      </p:sp>
+    </p:spTree>
+    <p:extLst>
+      <p:ext uri="{BB962C8B-B14F-4D97-AF65-F5344CB8AC3E}">
+        <p14:creationId xmlns:p14="http://schemas.microsoft.com/office/powerpoint/2010/main" val="74263144"/>
+      </p:ext>
+    </p:extLst>
+  </p:cSld>
+  <p:clrMapOvr>
+    <a:masterClrMapping/>
+  </p:clrMapOvr>
+</p:sld>
+</file>
+
+<file path=ppt/slides/slide12.xml><?xml version="1.0" encoding="utf-8"?>
+<p:sld xmlns:a="http://schemas.openxmlformats.org/drawingml/2006/main" xmlns:r="http://schemas.openxmlformats.org/officeDocument/2006/relationships" xmlns:p="http://schemas.openxmlformats.org/presentationml/2006/main">
+  <p:cSld>
+    <p:spTree>
+      <p:nvGrpSpPr>
+        <p:cNvPr id="1" name=""/>
+        <p:cNvGrpSpPr/>
+        <p:nvPr/>
+      </p:nvGrpSpPr>
+      <p:grpSpPr>
+        <a:xfrm>
+          <a:off x="0" y="0"/>
+          <a:ext cx="0" cy="0"/>
+          <a:chOff x="0" y="0"/>
+          <a:chExt cx="0" cy="0"/>
+        </a:xfrm>
+      </p:grpSpPr>
+      <p:sp>
+        <p:nvSpPr>
+          <p:cNvPr id="2" name="Title 1">
+            <a:extLst>
+              <a:ext uri="{FF2B5EF4-FFF2-40B4-BE49-F238E27FC236}">
                 <a16:creationId xmlns:a16="http://schemas.microsoft.com/office/drawing/2014/main" id="{A957C060-D94C-AA19-BC32-79CAE729DABC}"/>
               </a:ext>
             </a:extLst>
@@ -6019,17 +6235,7 @@
                 <a:effectLst/>
                 <a:latin typeface="Söhne"/>
               </a:rPr>
-              <a:t>In this project, we will explore the capabilities of Redline and how it can be used to identify malware on a Windows system. We will examine different types of malware and analyze their behavior using the Redline tool. </a:t>
-            </a:r>
-            <a:r>
-              <a:rPr lang="en-US" sz="2000" b="0" i="0">
-                <a:solidFill>
-                  <a:srgbClr val="D1D5DB"/>
-                </a:solidFill>
-                <a:effectLst/>
-                <a:latin typeface="Söhne"/>
-              </a:rPr>
-              <a:t>By the end of this project, you will have a thorough understanding of how to use Redline for malware analysis and be able to apply this knowledge to improve your own organization's cybersecurity defenses.</a:t>
+              <a:t>In this project, we will explore the capabilities of Redline and how it can be used to identify malware on a Windows system. We will examine different types of malware and analyze their behavior using the Redline tool. By the end of this project, you will have a thorough understanding of how to use Redline for malware analysis and be able to apply this knowledge to improve your own organization's cybersecurity defenses.</a:t>
             </a:r>
           </a:p>
         </p:txBody>
@@ -6069,6 +6275,204 @@
           <p:cNvPr id="2" name="Title 1">
             <a:extLst>
               <a:ext uri="{FF2B5EF4-FFF2-40B4-BE49-F238E27FC236}">
+                <a16:creationId xmlns:a16="http://schemas.microsoft.com/office/drawing/2014/main" id="{59EB91AA-78FA-1C38-6F00-5CD68D05AEA1}"/>
+              </a:ext>
+            </a:extLst>
+          </p:cNvPr>
+          <p:cNvSpPr>
+            <a:spLocks noGrp="1"/>
+          </p:cNvSpPr>
+          <p:nvPr>
+            <p:ph type="title"/>
+          </p:nvPr>
+        </p:nvSpPr>
+        <p:spPr/>
+        <p:txBody>
+          <a:bodyPr/>
+          <a:lstStyle/>
+          <a:p>
+            <a:r>
+              <a:rPr lang="en-IN" dirty="0"/>
+              <a:t>What is a malware?</a:t>
+            </a:r>
+          </a:p>
+        </p:txBody>
+      </p:sp>
+      <p:sp>
+        <p:nvSpPr>
+          <p:cNvPr id="3" name="Content Placeholder 2">
+            <a:extLst>
+              <a:ext uri="{FF2B5EF4-FFF2-40B4-BE49-F238E27FC236}">
+                <a16:creationId xmlns:a16="http://schemas.microsoft.com/office/drawing/2014/main" id="{86083896-1912-B439-71A3-1C8D96501E6B}"/>
+              </a:ext>
+            </a:extLst>
+          </p:cNvPr>
+          <p:cNvSpPr>
+            <a:spLocks noGrp="1"/>
+          </p:cNvSpPr>
+          <p:nvPr>
+            <p:ph idx="1"/>
+          </p:nvPr>
+        </p:nvSpPr>
+        <p:spPr/>
+        <p:txBody>
+          <a:bodyPr/>
+          <a:lstStyle/>
+          <a:p>
+            <a:r>
+              <a:rPr lang="en-US" b="0" i="0" dirty="0">
+                <a:solidFill>
+                  <a:srgbClr val="D1D5DB"/>
+                </a:solidFill>
+                <a:effectLst/>
+                <a:latin typeface="Söhne"/>
+              </a:rPr>
+              <a:t>Malware, short for malicious software, is any program or code designed to harm or disrupt a computer system or network. It is a type of software created with malicious intent, such as stealing data, damaging or disabling computer systems, or gaining unauthorized access to private information. Malware can take many forms, including viruses, worms, trojans, spyware, adware, and ransomware.</a:t>
+            </a:r>
+          </a:p>
+          <a:p>
+            <a:r>
+              <a:rPr lang="en-US" b="0" i="0" dirty="0">
+                <a:solidFill>
+                  <a:srgbClr val="D1D5DB"/>
+                </a:solidFill>
+                <a:effectLst/>
+                <a:latin typeface="Söhne"/>
+              </a:rPr>
+              <a:t>These programs often spread through email attachments, infected software downloads, or by exploiting vulnerabilities in operating systems or web browsers. Malware is a serious threat to computer security and can cause significant damage to individuals, organizations, and even governments. It is important to take proactive measures to protect against malware, such as using antivirus software and being cautious when downloading or opening files from unknown sources.</a:t>
+            </a:r>
+            <a:endParaRPr lang="en-IN" dirty="0"/>
+          </a:p>
+        </p:txBody>
+      </p:sp>
+    </p:spTree>
+    <p:extLst>
+      <p:ext uri="{BB962C8B-B14F-4D97-AF65-F5344CB8AC3E}">
+        <p14:creationId xmlns:p14="http://schemas.microsoft.com/office/powerpoint/2010/main" val="2048620514"/>
+      </p:ext>
+    </p:extLst>
+  </p:cSld>
+  <p:clrMapOvr>
+    <a:masterClrMapping/>
+  </p:clrMapOvr>
+</p:sld>
+</file>
+
+<file path=ppt/slides/slide4.xml><?xml version="1.0" encoding="utf-8"?>
+<p:sld xmlns:a="http://schemas.openxmlformats.org/drawingml/2006/main" xmlns:r="http://schemas.openxmlformats.org/officeDocument/2006/relationships" xmlns:p="http://schemas.openxmlformats.org/presentationml/2006/main">
+  <p:cSld>
+    <p:spTree>
+      <p:nvGrpSpPr>
+        <p:cNvPr id="1" name=""/>
+        <p:cNvGrpSpPr/>
+        <p:nvPr/>
+      </p:nvGrpSpPr>
+      <p:grpSpPr>
+        <a:xfrm>
+          <a:off x="0" y="0"/>
+          <a:ext cx="0" cy="0"/>
+          <a:chOff x="0" y="0"/>
+          <a:chExt cx="0" cy="0"/>
+        </a:xfrm>
+      </p:grpSpPr>
+      <p:sp>
+        <p:nvSpPr>
+          <p:cNvPr id="2" name="Title 1">
+            <a:extLst>
+              <a:ext uri="{FF2B5EF4-FFF2-40B4-BE49-F238E27FC236}">
+                <a16:creationId xmlns:a16="http://schemas.microsoft.com/office/drawing/2014/main" id="{7A9FB9E5-B5A1-DCE6-A8D7-D6EA1B12719F}"/>
+              </a:ext>
+            </a:extLst>
+          </p:cNvPr>
+          <p:cNvSpPr>
+            <a:spLocks noGrp="1"/>
+          </p:cNvSpPr>
+          <p:nvPr>
+            <p:ph type="title"/>
+          </p:nvPr>
+        </p:nvSpPr>
+        <p:spPr/>
+        <p:txBody>
+          <a:bodyPr/>
+          <a:lstStyle/>
+          <a:p>
+            <a:r>
+              <a:rPr lang="en-IN" dirty="0"/>
+              <a:t>What is redline tool?</a:t>
+            </a:r>
+          </a:p>
+        </p:txBody>
+      </p:sp>
+      <p:sp>
+        <p:nvSpPr>
+          <p:cNvPr id="3" name="Content Placeholder 2">
+            <a:extLst>
+              <a:ext uri="{FF2B5EF4-FFF2-40B4-BE49-F238E27FC236}">
+                <a16:creationId xmlns:a16="http://schemas.microsoft.com/office/drawing/2014/main" id="{5040CDBF-B75E-1A5C-10BE-4888DF55DDB0}"/>
+              </a:ext>
+            </a:extLst>
+          </p:cNvPr>
+          <p:cNvSpPr>
+            <a:spLocks noGrp="1"/>
+          </p:cNvSpPr>
+          <p:nvPr>
+            <p:ph idx="1"/>
+          </p:nvPr>
+        </p:nvSpPr>
+        <p:spPr/>
+        <p:txBody>
+          <a:bodyPr/>
+          <a:lstStyle/>
+          <a:p>
+            <a:r>
+              <a:rPr lang="en-US" b="0" i="0" dirty="0">
+                <a:solidFill>
+                  <a:srgbClr val="D1D5DB"/>
+                </a:solidFill>
+                <a:effectLst/>
+                <a:latin typeface="Söhne"/>
+              </a:rPr>
+              <a:t>FireEye is a cybersecurity company that offers a suite of products and services to protect organizations from cyber threats. One of their products, called Redline, is a free malware analysis tool designed to help security professionals identify and analyze malicious activity on a computer. The Redline tool offers a range of features that allow users to detect and investigate suspicious files, processes, and network activity. One of the key features of Redline is the ability to create "Indicators of Compromise" (IOCs) by marking suspicious activity with red lines or other annotations. These red lines help users quickly identify and investigate potential threats, and can be used to share information with other members of the security team. Overall, the Redline tool is a valuable asset for security professionals looking to stay ahead of cyber threats and protect their organizations from attacks.</a:t>
+            </a:r>
+            <a:endParaRPr lang="en-IN" dirty="0"/>
+          </a:p>
+        </p:txBody>
+      </p:sp>
+    </p:spTree>
+    <p:extLst>
+      <p:ext uri="{BB962C8B-B14F-4D97-AF65-F5344CB8AC3E}">
+        <p14:creationId xmlns:p14="http://schemas.microsoft.com/office/powerpoint/2010/main" val="878590644"/>
+      </p:ext>
+    </p:extLst>
+  </p:cSld>
+  <p:clrMapOvr>
+    <a:masterClrMapping/>
+  </p:clrMapOvr>
+</p:sld>
+</file>
+
+<file path=ppt/slides/slide5.xml><?xml version="1.0" encoding="utf-8"?>
+<p:sld xmlns:a="http://schemas.openxmlformats.org/drawingml/2006/main" xmlns:r="http://schemas.openxmlformats.org/officeDocument/2006/relationships" xmlns:p="http://schemas.openxmlformats.org/presentationml/2006/main">
+  <p:cSld>
+    <p:spTree>
+      <p:nvGrpSpPr>
+        <p:cNvPr id="1" name=""/>
+        <p:cNvGrpSpPr/>
+        <p:nvPr/>
+      </p:nvGrpSpPr>
+      <p:grpSpPr>
+        <a:xfrm>
+          <a:off x="0" y="0"/>
+          <a:ext cx="0" cy="0"/>
+          <a:chOff x="0" y="0"/>
+          <a:chExt cx="0" cy="0"/>
+        </a:xfrm>
+      </p:grpSpPr>
+      <p:sp>
+        <p:nvSpPr>
+          <p:cNvPr id="2" name="Title 1">
+            <a:extLst>
+              <a:ext uri="{FF2B5EF4-FFF2-40B4-BE49-F238E27FC236}">
                 <a16:creationId xmlns:a16="http://schemas.microsoft.com/office/drawing/2014/main" id="{98ACC837-BEF8-0077-75BE-869988BFA4CD}"/>
               </a:ext>
             </a:extLst>
@@ -6223,7 +6627,7 @@
 </p:sld>
 </file>
 
-<file path=ppt/slides/slide4.xml><?xml version="1.0" encoding="utf-8"?>
+<file path=ppt/slides/slide6.xml><?xml version="1.0" encoding="utf-8"?>
 <p:sld xmlns:a="http://schemas.openxmlformats.org/drawingml/2006/main" xmlns:r="http://schemas.openxmlformats.org/officeDocument/2006/relationships" xmlns:p="http://schemas.openxmlformats.org/presentationml/2006/main">
   <p:cSld>
     <p:spTree>
@@ -6310,7 +6714,7 @@
 </p:sld>
 </file>
 
-<file path=ppt/slides/slide5.xml><?xml version="1.0" encoding="utf-8"?>
+<file path=ppt/slides/slide7.xml><?xml version="1.0" encoding="utf-8"?>
 <p:sld xmlns:a="http://schemas.openxmlformats.org/drawingml/2006/main" xmlns:r="http://schemas.openxmlformats.org/officeDocument/2006/relationships" xmlns:p="http://schemas.openxmlformats.org/presentationml/2006/main">
   <p:cSld>
     <p:spTree>
@@ -6394,7 +6798,7 @@
 </p:sld>
 </file>
 
-<file path=ppt/slides/slide6.xml><?xml version="1.0" encoding="utf-8"?>
+<file path=ppt/slides/slide8.xml><?xml version="1.0" encoding="utf-8"?>
 <p:sld xmlns:a="http://schemas.openxmlformats.org/drawingml/2006/main" xmlns:r="http://schemas.openxmlformats.org/officeDocument/2006/relationships" xmlns:p="http://schemas.openxmlformats.org/presentationml/2006/main">
   <p:cSld>
     <p:spTree>
@@ -6478,7 +6882,7 @@
 </p:sld>
 </file>
 
-<file path=ppt/slides/slide7.xml><?xml version="1.0" encoding="utf-8"?>
+<file path=ppt/slides/slide9.xml><?xml version="1.0" encoding="utf-8"?>
 <p:sld xmlns:a="http://schemas.openxmlformats.org/drawingml/2006/main" xmlns:r="http://schemas.openxmlformats.org/officeDocument/2006/relationships" xmlns:p="http://schemas.openxmlformats.org/presentationml/2006/main">
   <p:cSld>
     <p:spTree>
@@ -6553,220 +6957,6 @@
     <p:extLst>
       <p:ext uri="{BB962C8B-B14F-4D97-AF65-F5344CB8AC3E}">
         <p14:creationId xmlns:p14="http://schemas.microsoft.com/office/powerpoint/2010/main" val="2802301060"/>
-      </p:ext>
-    </p:extLst>
-  </p:cSld>
-  <p:clrMapOvr>
-    <a:masterClrMapping/>
-  </p:clrMapOvr>
-</p:sld>
-</file>
-
-<file path=ppt/slides/slide8.xml><?xml version="1.0" encoding="utf-8"?>
-<p:sld xmlns:a="http://schemas.openxmlformats.org/drawingml/2006/main" xmlns:r="http://schemas.openxmlformats.org/officeDocument/2006/relationships" xmlns:p="http://schemas.openxmlformats.org/presentationml/2006/main">
-  <p:cSld>
-    <p:spTree>
-      <p:nvGrpSpPr>
-        <p:cNvPr id="1" name=""/>
-        <p:cNvGrpSpPr/>
-        <p:nvPr/>
-      </p:nvGrpSpPr>
-      <p:grpSpPr>
-        <a:xfrm>
-          <a:off x="0" y="0"/>
-          <a:ext cx="0" cy="0"/>
-          <a:chOff x="0" y="0"/>
-          <a:chExt cx="0" cy="0"/>
-        </a:xfrm>
-      </p:grpSpPr>
-      <p:sp>
-        <p:nvSpPr>
-          <p:cNvPr id="2" name="Title 1">
-            <a:extLst>
-              <a:ext uri="{FF2B5EF4-FFF2-40B4-BE49-F238E27FC236}">
-                <a16:creationId xmlns:a16="http://schemas.microsoft.com/office/drawing/2014/main" id="{1C55B45E-8692-765C-2B1E-2E52BAD2F0BF}"/>
-              </a:ext>
-            </a:extLst>
-          </p:cNvPr>
-          <p:cNvSpPr>
-            <a:spLocks noGrp="1"/>
-          </p:cNvSpPr>
-          <p:nvPr>
-            <p:ph type="title"/>
-          </p:nvPr>
-        </p:nvSpPr>
-        <p:spPr/>
-        <p:txBody>
-          <a:bodyPr/>
-          <a:lstStyle/>
-          <a:p>
-            <a:pPr algn="ctr"/>
-            <a:endParaRPr lang="en-IN" dirty="0"/>
-          </a:p>
-        </p:txBody>
-      </p:sp>
-      <p:pic>
-        <p:nvPicPr>
-          <p:cNvPr id="5" name="Content Placeholder 4" descr="A screenshot of a computer&#10;&#10;Description automatically generated">
-            <a:extLst>
-              <a:ext uri="{FF2B5EF4-FFF2-40B4-BE49-F238E27FC236}">
-                <a16:creationId xmlns:a16="http://schemas.microsoft.com/office/drawing/2014/main" id="{8A5FAA56-0C06-8367-AACB-A9C13EE63B9A}"/>
-              </a:ext>
-            </a:extLst>
-          </p:cNvPr>
-          <p:cNvPicPr>
-            <a:picLocks noGrp="1" noChangeAspect="1"/>
-          </p:cNvPicPr>
-          <p:nvPr>
-            <p:ph idx="1"/>
-          </p:nvPr>
-        </p:nvPicPr>
-        <p:blipFill>
-          <a:blip r:embed="rId2"/>
-          <a:stretch>
-            <a:fillRect/>
-          </a:stretch>
-        </p:blipFill>
-        <p:spPr>
-          <a:xfrm>
-            <a:off x="180645" y="93306"/>
-            <a:ext cx="11628015" cy="6540759"/>
-          </a:xfrm>
-        </p:spPr>
-      </p:pic>
-    </p:spTree>
-    <p:extLst>
-      <p:ext uri="{BB962C8B-B14F-4D97-AF65-F5344CB8AC3E}">
-        <p14:creationId xmlns:p14="http://schemas.microsoft.com/office/powerpoint/2010/main" val="1269773685"/>
-      </p:ext>
-    </p:extLst>
-  </p:cSld>
-  <p:clrMapOvr>
-    <a:masterClrMapping/>
-  </p:clrMapOvr>
-</p:sld>
-</file>
-
-<file path=ppt/slides/slide9.xml><?xml version="1.0" encoding="utf-8"?>
-<p:sld xmlns:a="http://schemas.openxmlformats.org/drawingml/2006/main" xmlns:r="http://schemas.openxmlformats.org/officeDocument/2006/relationships" xmlns:p="http://schemas.openxmlformats.org/presentationml/2006/main">
-  <p:cSld>
-    <p:spTree>
-      <p:nvGrpSpPr>
-        <p:cNvPr id="1" name=""/>
-        <p:cNvGrpSpPr/>
-        <p:nvPr/>
-      </p:nvGrpSpPr>
-      <p:grpSpPr>
-        <a:xfrm>
-          <a:off x="0" y="0"/>
-          <a:ext cx="0" cy="0"/>
-          <a:chOff x="0" y="0"/>
-          <a:chExt cx="0" cy="0"/>
-        </a:xfrm>
-      </p:grpSpPr>
-      <p:sp>
-        <p:nvSpPr>
-          <p:cNvPr id="2" name="Title 1">
-            <a:extLst>
-              <a:ext uri="{FF2B5EF4-FFF2-40B4-BE49-F238E27FC236}">
-                <a16:creationId xmlns:a16="http://schemas.microsoft.com/office/drawing/2014/main" id="{4FEF7526-78DD-9F86-6231-13ADBFC1759C}"/>
-              </a:ext>
-            </a:extLst>
-          </p:cNvPr>
-          <p:cNvSpPr>
-            <a:spLocks noGrp="1"/>
-          </p:cNvSpPr>
-          <p:nvPr>
-            <p:ph type="title"/>
-          </p:nvPr>
-        </p:nvSpPr>
-        <p:spPr/>
-        <p:txBody>
-          <a:bodyPr/>
-          <a:lstStyle/>
-          <a:p>
-            <a:r>
-              <a:rPr lang="en-IN" b="1" dirty="0"/>
-              <a:t>Conclusion</a:t>
-            </a:r>
-          </a:p>
-        </p:txBody>
-      </p:sp>
-      <p:sp>
-        <p:nvSpPr>
-          <p:cNvPr id="3" name="Content Placeholder 2">
-            <a:extLst>
-              <a:ext uri="{FF2B5EF4-FFF2-40B4-BE49-F238E27FC236}">
-                <a16:creationId xmlns:a16="http://schemas.microsoft.com/office/drawing/2014/main" id="{E077798D-B2ED-4095-DA32-523042CBEE18}"/>
-              </a:ext>
-            </a:extLst>
-          </p:cNvPr>
-          <p:cNvSpPr>
-            <a:spLocks noGrp="1"/>
-          </p:cNvSpPr>
-          <p:nvPr>
-            <p:ph idx="1"/>
-          </p:nvPr>
-        </p:nvSpPr>
-        <p:spPr/>
-        <p:txBody>
-          <a:bodyPr/>
-          <a:lstStyle/>
-          <a:p>
-            <a:pPr algn="l"/>
-            <a:r>
-              <a:rPr lang="en-US" b="0" i="0" dirty="0">
-                <a:solidFill>
-                  <a:srgbClr val="D1D5DB"/>
-                </a:solidFill>
-                <a:effectLst/>
-                <a:latin typeface="Söhne"/>
-              </a:rPr>
-              <a:t>In conclusion, the use of Redline tool for malware analysis has proven to be an effective and efficient method for identifying and analyzing malicious activity on a system. With its powerful capabilities, such as memory and file analysis, timeline creation, and automated collection of forensic data, Redline has become an essential tool for both incident response teams and malware analysts.</a:t>
-            </a:r>
-          </a:p>
-          <a:p>
-            <a:pPr algn="l"/>
-            <a:r>
-              <a:rPr lang="en-US" b="0" i="0" dirty="0">
-                <a:solidFill>
-                  <a:srgbClr val="D1D5DB"/>
-                </a:solidFill>
-                <a:effectLst/>
-                <a:latin typeface="Söhne"/>
-              </a:rPr>
-              <a:t>By utilizing </a:t>
-            </a:r>
-            <a:r>
-              <a:rPr lang="en-US" b="0" i="0" dirty="0" err="1">
-                <a:solidFill>
-                  <a:srgbClr val="D1D5DB"/>
-                </a:solidFill>
-                <a:effectLst/>
-                <a:latin typeface="Söhne"/>
-              </a:rPr>
-              <a:t>Redline's</a:t>
-            </a:r>
-            <a:r>
-              <a:rPr lang="en-US" b="0" i="0" dirty="0">
-                <a:solidFill>
-                  <a:srgbClr val="D1D5DB"/>
-                </a:solidFill>
-                <a:effectLst/>
-                <a:latin typeface="Söhne"/>
-              </a:rPr>
-              <a:t> features, analysts are able to quickly identify indicators of compromise, such as malicious processes, network connections, and registry changes. This information can then be used to contain and eradicate the malware, as well as prevent future attacks. Overall, the Redline tool has proven to be an invaluable asset in the fight against malware and cyber threats.</a:t>
-            </a:r>
-          </a:p>
-          <a:p>
-            <a:endParaRPr lang="en-IN" dirty="0"/>
-          </a:p>
-        </p:txBody>
-      </p:sp>
-    </p:spTree>
-    <p:extLst>
-      <p:ext uri="{BB962C8B-B14F-4D97-AF65-F5344CB8AC3E}">
-        <p14:creationId xmlns:p14="http://schemas.microsoft.com/office/powerpoint/2010/main" val="74263144"/>
       </p:ext>
     </p:extLst>
   </p:cSld>

--- a/Presentation on malware analysis using redline tool.pptx
+++ b/Presentation on malware analysis using redline tool.pptx
@@ -6,17 +6,19 @@
   </p:sldMasterIdLst>
   <p:sldIdLst>
     <p:sldId id="256" r:id="rId2"/>
-    <p:sldId id="257" r:id="rId3"/>
-    <p:sldId id="266" r:id="rId4"/>
-    <p:sldId id="267" r:id="rId5"/>
-    <p:sldId id="258" r:id="rId6"/>
-    <p:sldId id="259" r:id="rId7"/>
-    <p:sldId id="260" r:id="rId8"/>
-    <p:sldId id="261" r:id="rId9"/>
-    <p:sldId id="262" r:id="rId10"/>
-    <p:sldId id="263" r:id="rId11"/>
-    <p:sldId id="265" r:id="rId12"/>
-    <p:sldId id="264" r:id="rId13"/>
+    <p:sldId id="268" r:id="rId3"/>
+    <p:sldId id="257" r:id="rId4"/>
+    <p:sldId id="258" r:id="rId5"/>
+    <p:sldId id="266" r:id="rId6"/>
+    <p:sldId id="267" r:id="rId7"/>
+    <p:sldId id="269" r:id="rId8"/>
+    <p:sldId id="259" r:id="rId9"/>
+    <p:sldId id="260" r:id="rId10"/>
+    <p:sldId id="261" r:id="rId11"/>
+    <p:sldId id="262" r:id="rId12"/>
+    <p:sldId id="263" r:id="rId13"/>
+    <p:sldId id="265" r:id="rId14"/>
+    <p:sldId id="264" r:id="rId15"/>
   </p:sldIdLst>
   <p:sldSz cx="12192000" cy="6858000"/>
   <p:notesSz cx="6858000" cy="9144000"/>
@@ -5882,6 +5884,174 @@
           <p:cNvPr id="2" name="Title 1">
             <a:extLst>
               <a:ext uri="{FF2B5EF4-FFF2-40B4-BE49-F238E27FC236}">
+                <a16:creationId xmlns:a16="http://schemas.microsoft.com/office/drawing/2014/main" id="{4B5DC7F5-E6F6-BB51-E07B-E7AEBC85EC61}"/>
+              </a:ext>
+            </a:extLst>
+          </p:cNvPr>
+          <p:cNvSpPr>
+            <a:spLocks noGrp="1"/>
+          </p:cNvSpPr>
+          <p:nvPr>
+            <p:ph type="title"/>
+          </p:nvPr>
+        </p:nvSpPr>
+        <p:spPr/>
+        <p:txBody>
+          <a:bodyPr/>
+          <a:lstStyle/>
+          <a:p>
+            <a:endParaRPr lang="en-IN"/>
+          </a:p>
+        </p:txBody>
+      </p:sp>
+      <p:pic>
+        <p:nvPicPr>
+          <p:cNvPr id="5" name="Content Placeholder 4" descr="A screenshot of a computer&#10;&#10;Description automatically generated with medium confidence">
+            <a:extLst>
+              <a:ext uri="{FF2B5EF4-FFF2-40B4-BE49-F238E27FC236}">
+                <a16:creationId xmlns:a16="http://schemas.microsoft.com/office/drawing/2014/main" id="{D744935A-7C46-5FC5-1326-78BB11D4B3AF}"/>
+              </a:ext>
+            </a:extLst>
+          </p:cNvPr>
+          <p:cNvPicPr>
+            <a:picLocks noGrp="1" noChangeAspect="1"/>
+          </p:cNvPicPr>
+          <p:nvPr>
+            <p:ph idx="1"/>
+          </p:nvPr>
+        </p:nvPicPr>
+        <p:blipFill>
+          <a:blip r:embed="rId2"/>
+          <a:stretch>
+            <a:fillRect/>
+          </a:stretch>
+        </p:blipFill>
+        <p:spPr>
+          <a:xfrm>
+            <a:off x="685801" y="480687"/>
+            <a:ext cx="11075143" cy="5882791"/>
+          </a:xfrm>
+        </p:spPr>
+      </p:pic>
+    </p:spTree>
+    <p:extLst>
+      <p:ext uri="{BB962C8B-B14F-4D97-AF65-F5344CB8AC3E}">
+        <p14:creationId xmlns:p14="http://schemas.microsoft.com/office/powerpoint/2010/main" val="2474921546"/>
+      </p:ext>
+    </p:extLst>
+  </p:cSld>
+  <p:clrMapOvr>
+    <a:masterClrMapping/>
+  </p:clrMapOvr>
+</p:sld>
+</file>
+
+<file path=ppt/slides/slide11.xml><?xml version="1.0" encoding="utf-8"?>
+<p:sld xmlns:a="http://schemas.openxmlformats.org/drawingml/2006/main" xmlns:r="http://schemas.openxmlformats.org/officeDocument/2006/relationships" xmlns:p="http://schemas.openxmlformats.org/presentationml/2006/main">
+  <p:cSld>
+    <p:spTree>
+      <p:nvGrpSpPr>
+        <p:cNvPr id="1" name=""/>
+        <p:cNvGrpSpPr/>
+        <p:nvPr/>
+      </p:nvGrpSpPr>
+      <p:grpSpPr>
+        <a:xfrm>
+          <a:off x="0" y="0"/>
+          <a:ext cx="0" cy="0"/>
+          <a:chOff x="0" y="0"/>
+          <a:chExt cx="0" cy="0"/>
+        </a:xfrm>
+      </p:grpSpPr>
+      <p:sp>
+        <p:nvSpPr>
+          <p:cNvPr id="2" name="Title 1">
+            <a:extLst>
+              <a:ext uri="{FF2B5EF4-FFF2-40B4-BE49-F238E27FC236}">
+                <a16:creationId xmlns:a16="http://schemas.microsoft.com/office/drawing/2014/main" id="{C6CC7BFA-AFFA-6584-634C-A34852539D6A}"/>
+              </a:ext>
+            </a:extLst>
+          </p:cNvPr>
+          <p:cNvSpPr>
+            <a:spLocks noGrp="1"/>
+          </p:cNvSpPr>
+          <p:nvPr>
+            <p:ph type="title"/>
+          </p:nvPr>
+        </p:nvSpPr>
+        <p:spPr/>
+        <p:txBody>
+          <a:bodyPr/>
+          <a:lstStyle/>
+          <a:p>
+            <a:endParaRPr lang="en-IN"/>
+          </a:p>
+        </p:txBody>
+      </p:sp>
+      <p:pic>
+        <p:nvPicPr>
+          <p:cNvPr id="5" name="Content Placeholder 4" descr="Graphical user interface, text, application, email&#10;&#10;Description automatically generated">
+            <a:extLst>
+              <a:ext uri="{FF2B5EF4-FFF2-40B4-BE49-F238E27FC236}">
+                <a16:creationId xmlns:a16="http://schemas.microsoft.com/office/drawing/2014/main" id="{12921AA0-5F82-28C8-2869-F950F81D0F60}"/>
+              </a:ext>
+            </a:extLst>
+          </p:cNvPr>
+          <p:cNvPicPr>
+            <a:picLocks noGrp="1" noChangeAspect="1"/>
+          </p:cNvPicPr>
+          <p:nvPr>
+            <p:ph idx="1"/>
+          </p:nvPr>
+        </p:nvPicPr>
+        <p:blipFill>
+          <a:blip r:embed="rId2"/>
+          <a:stretch>
+            <a:fillRect/>
+          </a:stretch>
+        </p:blipFill>
+        <p:spPr>
+          <a:xfrm>
+            <a:off x="114293" y="279918"/>
+            <a:ext cx="11810229" cy="6407946"/>
+          </a:xfrm>
+        </p:spPr>
+      </p:pic>
+    </p:spTree>
+    <p:extLst>
+      <p:ext uri="{BB962C8B-B14F-4D97-AF65-F5344CB8AC3E}">
+        <p14:creationId xmlns:p14="http://schemas.microsoft.com/office/powerpoint/2010/main" val="2802301060"/>
+      </p:ext>
+    </p:extLst>
+  </p:cSld>
+  <p:clrMapOvr>
+    <a:masterClrMapping/>
+  </p:clrMapOvr>
+</p:sld>
+</file>
+
+<file path=ppt/slides/slide12.xml><?xml version="1.0" encoding="utf-8"?>
+<p:sld xmlns:a="http://schemas.openxmlformats.org/drawingml/2006/main" xmlns:r="http://schemas.openxmlformats.org/officeDocument/2006/relationships" xmlns:p="http://schemas.openxmlformats.org/presentationml/2006/main">
+  <p:cSld>
+    <p:spTree>
+      <p:nvGrpSpPr>
+        <p:cNvPr id="1" name=""/>
+        <p:cNvGrpSpPr/>
+        <p:nvPr/>
+      </p:nvGrpSpPr>
+      <p:grpSpPr>
+        <a:xfrm>
+          <a:off x="0" y="0"/>
+          <a:ext cx="0" cy="0"/>
+          <a:chOff x="0" y="0"/>
+          <a:chExt cx="0" cy="0"/>
+        </a:xfrm>
+      </p:grpSpPr>
+      <p:sp>
+        <p:nvSpPr>
+          <p:cNvPr id="2" name="Title 1">
+            <a:extLst>
+              <a:ext uri="{FF2B5EF4-FFF2-40B4-BE49-F238E27FC236}">
                 <a16:creationId xmlns:a16="http://schemas.microsoft.com/office/drawing/2014/main" id="{1C55B45E-8692-765C-2B1E-2E52BAD2F0BF}"/>
               </a:ext>
             </a:extLst>
@@ -5945,7 +6115,7 @@
 </p:sld>
 </file>
 
-<file path=ppt/slides/slide11.xml><?xml version="1.0" encoding="utf-8"?>
+<file path=ppt/slides/slide13.xml><?xml version="1.0" encoding="utf-8"?>
 <p:sld xmlns:a="http://schemas.openxmlformats.org/drawingml/2006/main" xmlns:r="http://schemas.openxmlformats.org/officeDocument/2006/relationships" xmlns:p="http://schemas.openxmlformats.org/presentationml/2006/main">
   <p:cSld>
     <p:spTree>
@@ -6074,7 +6244,7 @@
 </p:sld>
 </file>
 
-<file path=ppt/slides/slide12.xml><?xml version="1.0" encoding="utf-8"?>
+<file path=ppt/slides/slide14.xml><?xml version="1.0" encoding="utf-8"?>
 <p:sld xmlns:a="http://schemas.openxmlformats.org/drawingml/2006/main" xmlns:r="http://schemas.openxmlformats.org/officeDocument/2006/relationships" xmlns:p="http://schemas.openxmlformats.org/presentationml/2006/main">
   <p:cSld>
     <p:spTree>
@@ -6166,7 +6336,7 @@
           <p:cNvPr id="2" name="Title 1">
             <a:extLst>
               <a:ext uri="{FF2B5EF4-FFF2-40B4-BE49-F238E27FC236}">
-                <a16:creationId xmlns:a16="http://schemas.microsoft.com/office/drawing/2014/main" id="{BA69FDEB-EBDA-932D-41D5-4C8F5E927156}"/>
+                <a16:creationId xmlns:a16="http://schemas.microsoft.com/office/drawing/2014/main" id="{AD3DE4BA-1220-2390-5CBC-6E6ABD56AE4E}"/>
               </a:ext>
             </a:extLst>
           </p:cNvPr>
@@ -6182,10 +6352,9 @@
           <a:bodyPr/>
           <a:lstStyle/>
           <a:p>
-            <a:pPr algn="ctr"/>
             <a:r>
               <a:rPr lang="en-IN" dirty="0"/>
-              <a:t>introduction</a:t>
+              <a:t>Contents</a:t>
             </a:r>
           </a:p>
         </p:txBody>
@@ -6195,7 +6364,7 @@
           <p:cNvPr id="3" name="Content Placeholder 2">
             <a:extLst>
               <a:ext uri="{FF2B5EF4-FFF2-40B4-BE49-F238E27FC236}">
-                <a16:creationId xmlns:a16="http://schemas.microsoft.com/office/drawing/2014/main" id="{3E6706CF-97CE-D490-5F62-DEEB69F439A8}"/>
+                <a16:creationId xmlns:a16="http://schemas.microsoft.com/office/drawing/2014/main" id="{BDCD33D5-858B-D0B2-9CBB-37A8B5543994}"/>
               </a:ext>
             </a:extLst>
           </p:cNvPr>
@@ -6208,42 +6377,50 @@
         </p:nvSpPr>
         <p:spPr/>
         <p:txBody>
-          <a:bodyPr>
-            <a:normAutofit/>
-          </a:bodyPr>
-          <a:lstStyle/>
-          <a:p>
-            <a:pPr algn="l"/>
-            <a:r>
-              <a:rPr lang="en-US" sz="2000" b="0" i="0" dirty="0">
-                <a:solidFill>
-                  <a:srgbClr val="D1D5DB"/>
-                </a:solidFill>
-                <a:effectLst/>
-                <a:latin typeface="Söhne"/>
-              </a:rPr>
-              <a:t>Malware analysis is a crucial aspect of cybersecurity, and it is essential to understand the behavior of malicious software in order to develop effective countermeasures. One powerful tool used in the analysis of malware is Redline. Redline is a free tool created by FireEye, and it is designed to assist in identifying and analyzing malicious activity on Windows-based systems.</a:t>
-            </a:r>
-          </a:p>
-          <a:p>
-            <a:pPr algn="l"/>
-            <a:r>
-              <a:rPr lang="en-US" sz="2000" b="0" i="0" dirty="0">
-                <a:solidFill>
-                  <a:srgbClr val="D1D5DB"/>
-                </a:solidFill>
-                <a:effectLst/>
-                <a:latin typeface="Söhne"/>
-              </a:rPr>
-              <a:t>In this project, we will explore the capabilities of Redline and how it can be used to identify malware on a Windows system. We will examine different types of malware and analyze their behavior using the Redline tool. By the end of this project, you will have a thorough understanding of how to use Redline for malware analysis and be able to apply this knowledge to improve your own organization's cybersecurity defenses.</a:t>
-            </a:r>
+          <a:bodyPr/>
+          <a:lstStyle/>
+          <a:p>
+            <a:r>
+              <a:rPr lang="en-IN" dirty="0"/>
+              <a:t>Introduction</a:t>
+            </a:r>
+          </a:p>
+          <a:p>
+            <a:r>
+              <a:rPr lang="en-IN" dirty="0"/>
+              <a:t>Objectives</a:t>
+            </a:r>
+          </a:p>
+          <a:p>
+            <a:r>
+              <a:rPr lang="en-IN"/>
+              <a:t>Steps</a:t>
+            </a:r>
+          </a:p>
+          <a:p>
+            <a:r>
+              <a:rPr lang="en-IN" dirty="0"/>
+              <a:t>Snapshots of the system</a:t>
+            </a:r>
+          </a:p>
+          <a:p>
+            <a:r>
+              <a:rPr lang="en-IN" dirty="0"/>
+              <a:t>Conclusion</a:t>
+            </a:r>
+          </a:p>
+          <a:p>
+            <a:endParaRPr lang="en-IN" dirty="0"/>
+          </a:p>
+          <a:p>
+            <a:endParaRPr lang="en-IN" dirty="0"/>
           </a:p>
         </p:txBody>
       </p:sp>
     </p:spTree>
     <p:extLst>
       <p:ext uri="{BB962C8B-B14F-4D97-AF65-F5344CB8AC3E}">
-        <p14:creationId xmlns:p14="http://schemas.microsoft.com/office/powerpoint/2010/main" val="3477821404"/>
+        <p14:creationId xmlns:p14="http://schemas.microsoft.com/office/powerpoint/2010/main" val="3789512192"/>
       </p:ext>
     </p:extLst>
   </p:cSld>
@@ -6275,7 +6452,7 @@
           <p:cNvPr id="2" name="Title 1">
             <a:extLst>
               <a:ext uri="{FF2B5EF4-FFF2-40B4-BE49-F238E27FC236}">
-                <a16:creationId xmlns:a16="http://schemas.microsoft.com/office/drawing/2014/main" id="{59EB91AA-78FA-1C38-6F00-5CD68D05AEA1}"/>
+                <a16:creationId xmlns:a16="http://schemas.microsoft.com/office/drawing/2014/main" id="{BA69FDEB-EBDA-932D-41D5-4C8F5E927156}"/>
               </a:ext>
             </a:extLst>
           </p:cNvPr>
@@ -6291,9 +6468,10 @@
           <a:bodyPr/>
           <a:lstStyle/>
           <a:p>
+            <a:pPr algn="ctr"/>
             <a:r>
               <a:rPr lang="en-IN" dirty="0"/>
-              <a:t>What is a malware?</a:t>
+              <a:t>introduction</a:t>
             </a:r>
           </a:p>
         </p:txBody>
@@ -6303,7 +6481,7 @@
           <p:cNvPr id="3" name="Content Placeholder 2">
             <a:extLst>
               <a:ext uri="{FF2B5EF4-FFF2-40B4-BE49-F238E27FC236}">
-                <a16:creationId xmlns:a16="http://schemas.microsoft.com/office/drawing/2014/main" id="{86083896-1912-B439-71A3-1C8D96501E6B}"/>
+                <a16:creationId xmlns:a16="http://schemas.microsoft.com/office/drawing/2014/main" id="{3E6706CF-97CE-D490-5F62-DEEB69F439A8}"/>
               </a:ext>
             </a:extLst>
           </p:cNvPr>
@@ -6316,39 +6494,42 @@
         </p:nvSpPr>
         <p:spPr/>
         <p:txBody>
-          <a:bodyPr/>
-          <a:lstStyle/>
-          <a:p>
-            <a:r>
-              <a:rPr lang="en-US" b="0" i="0" dirty="0">
+          <a:bodyPr>
+            <a:normAutofit/>
+          </a:bodyPr>
+          <a:lstStyle/>
+          <a:p>
+            <a:pPr algn="l"/>
+            <a:r>
+              <a:rPr lang="en-US" sz="2000" b="0" i="0" dirty="0">
                 <a:solidFill>
                   <a:srgbClr val="D1D5DB"/>
                 </a:solidFill>
                 <a:effectLst/>
                 <a:latin typeface="Söhne"/>
               </a:rPr>
-              <a:t>Malware, short for malicious software, is any program or code designed to harm or disrupt a computer system or network. It is a type of software created with malicious intent, such as stealing data, damaging or disabling computer systems, or gaining unauthorized access to private information. Malware can take many forms, including viruses, worms, trojans, spyware, adware, and ransomware.</a:t>
-            </a:r>
-          </a:p>
-          <a:p>
-            <a:r>
-              <a:rPr lang="en-US" b="0" i="0" dirty="0">
+              <a:t>Malware analysis is a crucial aspect of cybersecurity, and it is essential to understand the behavior of malicious software in order to develop effective countermeasures. One powerful tool used in the analysis of malware is Redline. Redline is a free tool created by FireEye, and it is designed to assist in identifying and analyzing malicious activity on Windows-based systems.</a:t>
+            </a:r>
+          </a:p>
+          <a:p>
+            <a:pPr algn="l"/>
+            <a:r>
+              <a:rPr lang="en-US" sz="2000" b="0" i="0" dirty="0">
                 <a:solidFill>
                   <a:srgbClr val="D1D5DB"/>
                 </a:solidFill>
                 <a:effectLst/>
                 <a:latin typeface="Söhne"/>
               </a:rPr>
-              <a:t>These programs often spread through email attachments, infected software downloads, or by exploiting vulnerabilities in operating systems or web browsers. Malware is a serious threat to computer security and can cause significant damage to individuals, organizations, and even governments. It is important to take proactive measures to protect against malware, such as using antivirus software and being cautious when downloading or opening files from unknown sources.</a:t>
-            </a:r>
-            <a:endParaRPr lang="en-IN" dirty="0"/>
+              <a:t>In this project, we will explore the capabilities of Redline and how it can be used to identify malware on a Windows system. We will examine different types of malware and analyze their behavior using the Redline tool. By the end of this project, you will have a thorough understanding of how to use Redline for malware analysis and be able to apply this knowledge to improve your own organization's cybersecurity defenses.</a:t>
+            </a:r>
           </a:p>
         </p:txBody>
       </p:sp>
     </p:spTree>
     <p:extLst>
       <p:ext uri="{BB962C8B-B14F-4D97-AF65-F5344CB8AC3E}">
-        <p14:creationId xmlns:p14="http://schemas.microsoft.com/office/powerpoint/2010/main" val="2048620514"/>
+        <p14:creationId xmlns:p14="http://schemas.microsoft.com/office/powerpoint/2010/main" val="3477821404"/>
       </p:ext>
     </p:extLst>
   </p:cSld>
@@ -6380,7 +6561,7 @@
           <p:cNvPr id="2" name="Title 1">
             <a:extLst>
               <a:ext uri="{FF2B5EF4-FFF2-40B4-BE49-F238E27FC236}">
-                <a16:creationId xmlns:a16="http://schemas.microsoft.com/office/drawing/2014/main" id="{7A9FB9E5-B5A1-DCE6-A8D7-D6EA1B12719F}"/>
+                <a16:creationId xmlns:a16="http://schemas.microsoft.com/office/drawing/2014/main" id="{98ACC837-BEF8-0077-75BE-869988BFA4CD}"/>
               </a:ext>
             </a:extLst>
           </p:cNvPr>
@@ -6393,13 +6574,29 @@
         </p:nvSpPr>
         <p:spPr/>
         <p:txBody>
-          <a:bodyPr/>
-          <a:lstStyle/>
-          <a:p>
-            <a:r>
+          <a:bodyPr>
+            <a:noAutofit/>
+          </a:bodyPr>
+          <a:lstStyle/>
+          <a:p>
+            <a:pPr algn="ctr"/>
+            <a:r>
+              <a:rPr lang="en-IN" b="0" i="0" dirty="0">
+                <a:solidFill>
+                  <a:srgbClr val="D1D5DB"/>
+                </a:solidFill>
+                <a:effectLst/>
+                <a:latin typeface="Söhne"/>
+              </a:rPr>
+              <a:t> Objectives: </a:t>
+            </a:r>
+            <a:br>
               <a:rPr lang="en-IN" dirty="0"/>
-              <a:t>What is redline tool?</a:t>
-            </a:r>
+            </a:br>
+            <a:br>
+              <a:rPr lang="en-IN" dirty="0"/>
+            </a:br>
+            <a:endParaRPr lang="en-IN" dirty="0"/>
           </a:p>
         </p:txBody>
       </p:sp>
@@ -6408,7 +6605,7 @@
           <p:cNvPr id="3" name="Content Placeholder 2">
             <a:extLst>
               <a:ext uri="{FF2B5EF4-FFF2-40B4-BE49-F238E27FC236}">
-                <a16:creationId xmlns:a16="http://schemas.microsoft.com/office/drawing/2014/main" id="{5040CDBF-B75E-1A5C-10BE-4888DF55DDB0}"/>
+                <a16:creationId xmlns:a16="http://schemas.microsoft.com/office/drawing/2014/main" id="{8F9A4BF6-79E6-E5A0-C809-BEFF74401CE3}"/>
               </a:ext>
             </a:extLst>
           </p:cNvPr>
@@ -6424,6 +6621,7 @@
           <a:bodyPr/>
           <a:lstStyle/>
           <a:p>
+            <a:pPr algn="l"/>
             <a:r>
               <a:rPr lang="en-US" b="0" i="0" dirty="0">
                 <a:solidFill>
@@ -6432,8 +6630,74 @@
                 <a:effectLst/>
                 <a:latin typeface="Söhne"/>
               </a:rPr>
-              <a:t>FireEye is a cybersecurity company that offers a suite of products and services to protect organizations from cyber threats. One of their products, called Redline, is a free malware analysis tool designed to help security professionals identify and analyze malicious activity on a computer. The Redline tool offers a range of features that allow users to detect and investigate suspicious files, processes, and network activity. One of the key features of Redline is the ability to create "Indicators of Compromise" (IOCs) by marking suspicious activity with red lines or other annotations. These red lines help users quickly identify and investigate potential threats, and can be used to share information with other members of the security team. Overall, the Redline tool is a valuable asset for security professionals looking to stay ahead of cyber threats and protect their organizations from attacks.</a:t>
-            </a:r>
+              <a:t>The objectives of this project are as follows:</a:t>
+            </a:r>
+          </a:p>
+          <a:p>
+            <a:pPr algn="l">
+              <a:buFont typeface="+mj-lt"/>
+              <a:buAutoNum type="arabicPeriod"/>
+            </a:pPr>
+            <a:r>
+              <a:rPr lang="en-US" b="0" i="0" dirty="0">
+                <a:solidFill>
+                  <a:srgbClr val="D1D5DB"/>
+                </a:solidFill>
+                <a:effectLst/>
+                <a:latin typeface="Söhne"/>
+              </a:rPr>
+              <a:t>To provide an overview of the Redline tool and its capabilities for malware analysis.</a:t>
+            </a:r>
+          </a:p>
+          <a:p>
+            <a:pPr algn="l">
+              <a:buFont typeface="+mj-lt"/>
+              <a:buAutoNum type="arabicPeriod"/>
+            </a:pPr>
+            <a:r>
+              <a:rPr lang="en-US" b="0" i="0" dirty="0">
+                <a:solidFill>
+                  <a:srgbClr val="D1D5DB"/>
+                </a:solidFill>
+                <a:effectLst/>
+                <a:latin typeface="Söhne"/>
+              </a:rPr>
+              <a:t>To explain the installation and configuration of Redline for malware analysis.</a:t>
+            </a:r>
+          </a:p>
+          <a:p>
+            <a:pPr algn="l">
+              <a:buFont typeface="+mj-lt"/>
+              <a:buAutoNum type="arabicPeriod"/>
+            </a:pPr>
+            <a:r>
+              <a:rPr lang="en-US" b="0" i="0" dirty="0">
+                <a:solidFill>
+                  <a:srgbClr val="D1D5DB"/>
+                </a:solidFill>
+                <a:effectLst/>
+                <a:latin typeface="Söhne"/>
+              </a:rPr>
+              <a:t>To demonstrate the use of Redline for malware analysis.</a:t>
+            </a:r>
+          </a:p>
+          <a:p>
+            <a:pPr algn="l">
+              <a:buFont typeface="+mj-lt"/>
+              <a:buAutoNum type="arabicPeriod"/>
+            </a:pPr>
+            <a:r>
+              <a:rPr lang="en-US" b="0" i="0" dirty="0">
+                <a:solidFill>
+                  <a:srgbClr val="D1D5DB"/>
+                </a:solidFill>
+                <a:effectLst/>
+                <a:latin typeface="Söhne"/>
+              </a:rPr>
+              <a:t>To provide recommendations for the effective use of Redline for malware analysis.</a:t>
+            </a:r>
+          </a:p>
+          <a:p>
             <a:endParaRPr lang="en-IN" dirty="0"/>
           </a:p>
         </p:txBody>
@@ -6441,7 +6705,7 @@
     </p:spTree>
     <p:extLst>
       <p:ext uri="{BB962C8B-B14F-4D97-AF65-F5344CB8AC3E}">
-        <p14:creationId xmlns:p14="http://schemas.microsoft.com/office/powerpoint/2010/main" val="878590644"/>
+        <p14:creationId xmlns:p14="http://schemas.microsoft.com/office/powerpoint/2010/main" val="2944124684"/>
       </p:ext>
     </p:extLst>
   </p:cSld>
@@ -6473,7 +6737,7 @@
           <p:cNvPr id="2" name="Title 1">
             <a:extLst>
               <a:ext uri="{FF2B5EF4-FFF2-40B4-BE49-F238E27FC236}">
-                <a16:creationId xmlns:a16="http://schemas.microsoft.com/office/drawing/2014/main" id="{98ACC837-BEF8-0077-75BE-869988BFA4CD}"/>
+                <a16:creationId xmlns:a16="http://schemas.microsoft.com/office/drawing/2014/main" id="{59EB91AA-78FA-1C38-6F00-5CD68D05AEA1}"/>
               </a:ext>
             </a:extLst>
           </p:cNvPr>
@@ -6486,54 +6750,49 @@
         </p:nvSpPr>
         <p:spPr/>
         <p:txBody>
-          <a:bodyPr>
-            <a:noAutofit/>
-          </a:bodyPr>
-          <a:lstStyle/>
-          <a:p>
-            <a:pPr algn="ctr"/>
-            <a:r>
-              <a:rPr lang="en-IN" b="0" i="0" dirty="0">
+          <a:bodyPr/>
+          <a:lstStyle/>
+          <a:p>
+            <a:r>
+              <a:rPr lang="en-IN" dirty="0"/>
+              <a:t>What is a malware?</a:t>
+            </a:r>
+          </a:p>
+        </p:txBody>
+      </p:sp>
+      <p:sp>
+        <p:nvSpPr>
+          <p:cNvPr id="3" name="Content Placeholder 2">
+            <a:extLst>
+              <a:ext uri="{FF2B5EF4-FFF2-40B4-BE49-F238E27FC236}">
+                <a16:creationId xmlns:a16="http://schemas.microsoft.com/office/drawing/2014/main" id="{86083896-1912-B439-71A3-1C8D96501E6B}"/>
+              </a:ext>
+            </a:extLst>
+          </p:cNvPr>
+          <p:cNvSpPr>
+            <a:spLocks noGrp="1"/>
+          </p:cNvSpPr>
+          <p:nvPr>
+            <p:ph idx="1"/>
+          </p:nvPr>
+        </p:nvSpPr>
+        <p:spPr/>
+        <p:txBody>
+          <a:bodyPr/>
+          <a:lstStyle/>
+          <a:p>
+            <a:r>
+              <a:rPr lang="en-US" b="0" i="0" dirty="0">
                 <a:solidFill>
                   <a:srgbClr val="D1D5DB"/>
                 </a:solidFill>
                 <a:effectLst/>
                 <a:latin typeface="Söhne"/>
               </a:rPr>
-              <a:t> Objectives: </a:t>
-            </a:r>
-            <a:br>
-              <a:rPr lang="en-IN" dirty="0"/>
-            </a:br>
-            <a:br>
-              <a:rPr lang="en-IN" dirty="0"/>
-            </a:br>
-            <a:endParaRPr lang="en-IN" dirty="0"/>
-          </a:p>
-        </p:txBody>
-      </p:sp>
-      <p:sp>
-        <p:nvSpPr>
-          <p:cNvPr id="3" name="Content Placeholder 2">
-            <a:extLst>
-              <a:ext uri="{FF2B5EF4-FFF2-40B4-BE49-F238E27FC236}">
-                <a16:creationId xmlns:a16="http://schemas.microsoft.com/office/drawing/2014/main" id="{8F9A4BF6-79E6-E5A0-C809-BEFF74401CE3}"/>
-              </a:ext>
-            </a:extLst>
-          </p:cNvPr>
-          <p:cNvSpPr>
-            <a:spLocks noGrp="1"/>
-          </p:cNvSpPr>
-          <p:nvPr>
-            <p:ph idx="1"/>
-          </p:nvPr>
-        </p:nvSpPr>
-        <p:spPr/>
-        <p:txBody>
-          <a:bodyPr/>
-          <a:lstStyle/>
-          <a:p>
-            <a:pPr algn="l"/>
+              <a:t>Malware, short for malicious software, is any program or code designed to harm or disrupt a computer system or network. It is a type of software created with malicious intent, such as stealing data, damaging or disabling computer systems, or gaining unauthorized access to private information. Malware can take many forms, including viruses, worms, trojans, spyware, adware, and ransomware.</a:t>
+            </a:r>
+          </a:p>
+          <a:p>
             <a:r>
               <a:rPr lang="en-US" b="0" i="0" dirty="0">
                 <a:solidFill>
@@ -6542,74 +6801,8 @@
                 <a:effectLst/>
                 <a:latin typeface="Söhne"/>
               </a:rPr>
-              <a:t>The objectives of this project are as follows:</a:t>
-            </a:r>
-          </a:p>
-          <a:p>
-            <a:pPr algn="l">
-              <a:buFont typeface="+mj-lt"/>
-              <a:buAutoNum type="arabicPeriod"/>
-            </a:pPr>
-            <a:r>
-              <a:rPr lang="en-US" b="0" i="0" dirty="0">
-                <a:solidFill>
-                  <a:srgbClr val="D1D5DB"/>
-                </a:solidFill>
-                <a:effectLst/>
-                <a:latin typeface="Söhne"/>
-              </a:rPr>
-              <a:t>To provide an overview of the Redline tool and its capabilities for malware analysis.</a:t>
-            </a:r>
-          </a:p>
-          <a:p>
-            <a:pPr algn="l">
-              <a:buFont typeface="+mj-lt"/>
-              <a:buAutoNum type="arabicPeriod"/>
-            </a:pPr>
-            <a:r>
-              <a:rPr lang="en-US" b="0" i="0" dirty="0">
-                <a:solidFill>
-                  <a:srgbClr val="D1D5DB"/>
-                </a:solidFill>
-                <a:effectLst/>
-                <a:latin typeface="Söhne"/>
-              </a:rPr>
-              <a:t>To explain the installation and configuration of Redline for malware analysis.</a:t>
-            </a:r>
-          </a:p>
-          <a:p>
-            <a:pPr algn="l">
-              <a:buFont typeface="+mj-lt"/>
-              <a:buAutoNum type="arabicPeriod"/>
-            </a:pPr>
-            <a:r>
-              <a:rPr lang="en-US" b="0" i="0" dirty="0">
-                <a:solidFill>
-                  <a:srgbClr val="D1D5DB"/>
-                </a:solidFill>
-                <a:effectLst/>
-                <a:latin typeface="Söhne"/>
-              </a:rPr>
-              <a:t>To demonstrate the use of Redline for malware analysis.</a:t>
-            </a:r>
-          </a:p>
-          <a:p>
-            <a:pPr algn="l">
-              <a:buFont typeface="+mj-lt"/>
-              <a:buAutoNum type="arabicPeriod"/>
-            </a:pPr>
-            <a:r>
-              <a:rPr lang="en-US" b="0" i="0" dirty="0">
-                <a:solidFill>
-                  <a:srgbClr val="D1D5DB"/>
-                </a:solidFill>
-                <a:effectLst/>
-                <a:latin typeface="Söhne"/>
-              </a:rPr>
-              <a:t>To provide recommendations for the effective use of Redline for malware analysis.</a:t>
-            </a:r>
-          </a:p>
-          <a:p>
+              <a:t>These programs often spread through email attachments, infected software downloads, or by exploiting vulnerabilities in operating systems or web browsers. Malware is a serious threat to computer security and can cause significant damage to individuals, organizations, and even governments. It is important to take proactive measures to protect against malware, such as using antivirus software and being cautious when downloading or opening files from unknown sources.</a:t>
+            </a:r>
             <a:endParaRPr lang="en-IN" dirty="0"/>
           </a:p>
         </p:txBody>
@@ -6617,7 +6810,7 @@
     </p:spTree>
     <p:extLst>
       <p:ext uri="{BB962C8B-B14F-4D97-AF65-F5344CB8AC3E}">
-        <p14:creationId xmlns:p14="http://schemas.microsoft.com/office/powerpoint/2010/main" val="2944124684"/>
+        <p14:creationId xmlns:p14="http://schemas.microsoft.com/office/powerpoint/2010/main" val="2048620514"/>
       </p:ext>
     </p:extLst>
   </p:cSld>
@@ -6628,6 +6821,215 @@
 </file>
 
 <file path=ppt/slides/slide6.xml><?xml version="1.0" encoding="utf-8"?>
+<p:sld xmlns:a="http://schemas.openxmlformats.org/drawingml/2006/main" xmlns:r="http://schemas.openxmlformats.org/officeDocument/2006/relationships" xmlns:p="http://schemas.openxmlformats.org/presentationml/2006/main">
+  <p:cSld>
+    <p:spTree>
+      <p:nvGrpSpPr>
+        <p:cNvPr id="1" name=""/>
+        <p:cNvGrpSpPr/>
+        <p:nvPr/>
+      </p:nvGrpSpPr>
+      <p:grpSpPr>
+        <a:xfrm>
+          <a:off x="0" y="0"/>
+          <a:ext cx="0" cy="0"/>
+          <a:chOff x="0" y="0"/>
+          <a:chExt cx="0" cy="0"/>
+        </a:xfrm>
+      </p:grpSpPr>
+      <p:sp>
+        <p:nvSpPr>
+          <p:cNvPr id="2" name="Title 1">
+            <a:extLst>
+              <a:ext uri="{FF2B5EF4-FFF2-40B4-BE49-F238E27FC236}">
+                <a16:creationId xmlns:a16="http://schemas.microsoft.com/office/drawing/2014/main" id="{7A9FB9E5-B5A1-DCE6-A8D7-D6EA1B12719F}"/>
+              </a:ext>
+            </a:extLst>
+          </p:cNvPr>
+          <p:cNvSpPr>
+            <a:spLocks noGrp="1"/>
+          </p:cNvSpPr>
+          <p:nvPr>
+            <p:ph type="title"/>
+          </p:nvPr>
+        </p:nvSpPr>
+        <p:spPr/>
+        <p:txBody>
+          <a:bodyPr/>
+          <a:lstStyle/>
+          <a:p>
+            <a:r>
+              <a:rPr lang="en-IN" dirty="0"/>
+              <a:t>What is redline tool?</a:t>
+            </a:r>
+          </a:p>
+        </p:txBody>
+      </p:sp>
+      <p:sp>
+        <p:nvSpPr>
+          <p:cNvPr id="3" name="Content Placeholder 2">
+            <a:extLst>
+              <a:ext uri="{FF2B5EF4-FFF2-40B4-BE49-F238E27FC236}">
+                <a16:creationId xmlns:a16="http://schemas.microsoft.com/office/drawing/2014/main" id="{5040CDBF-B75E-1A5C-10BE-4888DF55DDB0}"/>
+              </a:ext>
+            </a:extLst>
+          </p:cNvPr>
+          <p:cNvSpPr>
+            <a:spLocks noGrp="1"/>
+          </p:cNvSpPr>
+          <p:nvPr>
+            <p:ph idx="1"/>
+          </p:nvPr>
+        </p:nvSpPr>
+        <p:spPr/>
+        <p:txBody>
+          <a:bodyPr/>
+          <a:lstStyle/>
+          <a:p>
+            <a:r>
+              <a:rPr lang="en-US" b="0" i="0" dirty="0">
+                <a:solidFill>
+                  <a:srgbClr val="D1D5DB"/>
+                </a:solidFill>
+                <a:effectLst/>
+                <a:latin typeface="Söhne"/>
+              </a:rPr>
+              <a:t>FireEye is a cybersecurity company that offers a suite of products and services to protect organizations from cyber threats. One of their products, called Redline, is a free malware analysis tool designed to help security professionals identify and analyze malicious activity on a computer. The Redline tool offers a range of features that allow users to detect and investigate suspicious files, processes, and network activity. One of the key features of Redline is the ability to create "Indicators of Compromise" (IOCs) by marking suspicious activity with red lines or other annotations. These red lines help users quickly identify and investigate potential threats, and can be used to share information with other members of the security team. Overall, the Redline tool is a valuable asset for security professionals looking to stay ahead of cyber threats and protect their organizations from attacks.</a:t>
+            </a:r>
+            <a:endParaRPr lang="en-IN" dirty="0"/>
+          </a:p>
+        </p:txBody>
+      </p:sp>
+    </p:spTree>
+    <p:extLst>
+      <p:ext uri="{BB962C8B-B14F-4D97-AF65-F5344CB8AC3E}">
+        <p14:creationId xmlns:p14="http://schemas.microsoft.com/office/powerpoint/2010/main" val="878590644"/>
+      </p:ext>
+    </p:extLst>
+  </p:cSld>
+  <p:clrMapOvr>
+    <a:masterClrMapping/>
+  </p:clrMapOvr>
+</p:sld>
+</file>
+
+<file path=ppt/slides/slide7.xml><?xml version="1.0" encoding="utf-8"?>
+<p:sld xmlns:a="http://schemas.openxmlformats.org/drawingml/2006/main" xmlns:r="http://schemas.openxmlformats.org/officeDocument/2006/relationships" xmlns:p="http://schemas.openxmlformats.org/presentationml/2006/main">
+  <p:cSld>
+    <p:spTree>
+      <p:nvGrpSpPr>
+        <p:cNvPr id="1" name=""/>
+        <p:cNvGrpSpPr/>
+        <p:nvPr/>
+      </p:nvGrpSpPr>
+      <p:grpSpPr>
+        <a:xfrm>
+          <a:off x="0" y="0"/>
+          <a:ext cx="0" cy="0"/>
+          <a:chOff x="0" y="0"/>
+          <a:chExt cx="0" cy="0"/>
+        </a:xfrm>
+      </p:grpSpPr>
+      <p:sp>
+        <p:nvSpPr>
+          <p:cNvPr id="2" name="Title 1">
+            <a:extLst>
+              <a:ext uri="{FF2B5EF4-FFF2-40B4-BE49-F238E27FC236}">
+                <a16:creationId xmlns:a16="http://schemas.microsoft.com/office/drawing/2014/main" id="{C4CC547E-C520-4C29-2CC1-70AB59491D5D}"/>
+              </a:ext>
+            </a:extLst>
+          </p:cNvPr>
+          <p:cNvSpPr>
+            <a:spLocks noGrp="1"/>
+          </p:cNvSpPr>
+          <p:nvPr>
+            <p:ph type="title"/>
+          </p:nvPr>
+        </p:nvSpPr>
+        <p:spPr/>
+        <p:txBody>
+          <a:bodyPr/>
+          <a:lstStyle/>
+          <a:p>
+            <a:r>
+              <a:rPr lang="en-IN" dirty="0"/>
+              <a:t>Steps to run the analysis</a:t>
+            </a:r>
+          </a:p>
+        </p:txBody>
+      </p:sp>
+      <p:sp>
+        <p:nvSpPr>
+          <p:cNvPr id="3" name="Content Placeholder 2">
+            <a:extLst>
+              <a:ext uri="{FF2B5EF4-FFF2-40B4-BE49-F238E27FC236}">
+                <a16:creationId xmlns:a16="http://schemas.microsoft.com/office/drawing/2014/main" id="{C900B211-C75A-7C1D-D344-4A01B322E5E6}"/>
+              </a:ext>
+            </a:extLst>
+          </p:cNvPr>
+          <p:cNvSpPr>
+            <a:spLocks noGrp="1"/>
+          </p:cNvSpPr>
+          <p:nvPr>
+            <p:ph idx="1"/>
+          </p:nvPr>
+        </p:nvSpPr>
+        <p:spPr/>
+        <p:txBody>
+          <a:bodyPr/>
+          <a:lstStyle/>
+          <a:p>
+            <a:r>
+              <a:rPr lang="en-IN" dirty="0"/>
+              <a:t>1. Downloading the FireEye Redline tool</a:t>
+            </a:r>
+          </a:p>
+          <a:p>
+            <a:r>
+              <a:rPr lang="en-IN" dirty="0"/>
+              <a:t>https://fireeye.market/apps/211364</a:t>
+            </a:r>
+          </a:p>
+          <a:p>
+            <a:r>
+              <a:rPr lang="en-IN" dirty="0"/>
+              <a:t>2. Creating a collector</a:t>
+            </a:r>
+          </a:p>
+          <a:p>
+            <a:r>
+              <a:rPr lang="en-IN" dirty="0"/>
+              <a:t>3. Running the collector.</a:t>
+            </a:r>
+          </a:p>
+          <a:p>
+            <a:r>
+              <a:rPr lang="en-IN" dirty="0"/>
+              <a:t>4. Analysing the data</a:t>
+            </a:r>
+          </a:p>
+          <a:p>
+            <a:r>
+              <a:rPr lang="en-IN" dirty="0"/>
+              <a:t>5. Running through IOC for searching malwares/ransomwares.</a:t>
+            </a:r>
+          </a:p>
+        </p:txBody>
+      </p:sp>
+    </p:spTree>
+    <p:extLst>
+      <p:ext uri="{BB962C8B-B14F-4D97-AF65-F5344CB8AC3E}">
+        <p14:creationId xmlns:p14="http://schemas.microsoft.com/office/powerpoint/2010/main" val="3853682340"/>
+      </p:ext>
+    </p:extLst>
+  </p:cSld>
+  <p:clrMapOvr>
+    <a:masterClrMapping/>
+  </p:clrMapOvr>
+</p:sld>
+</file>
+
+<file path=ppt/slides/slide8.xml><?xml version="1.0" encoding="utf-8"?>
 <p:sld xmlns:a="http://schemas.openxmlformats.org/drawingml/2006/main" xmlns:r="http://schemas.openxmlformats.org/officeDocument/2006/relationships" xmlns:p="http://schemas.openxmlformats.org/presentationml/2006/main">
   <p:cSld>
     <p:spTree>
@@ -6714,7 +7116,7 @@
 </p:sld>
 </file>
 
-<file path=ppt/slides/slide7.xml><?xml version="1.0" encoding="utf-8"?>
+<file path=ppt/slides/slide9.xml><?xml version="1.0" encoding="utf-8"?>
 <p:sld xmlns:a="http://schemas.openxmlformats.org/drawingml/2006/main" xmlns:r="http://schemas.openxmlformats.org/officeDocument/2006/relationships" xmlns:p="http://schemas.openxmlformats.org/presentationml/2006/main">
   <p:cSld>
     <p:spTree>
@@ -6789,174 +7191,6 @@
     <p:extLst>
       <p:ext uri="{BB962C8B-B14F-4D97-AF65-F5344CB8AC3E}">
         <p14:creationId xmlns:p14="http://schemas.microsoft.com/office/powerpoint/2010/main" val="2384732673"/>
-      </p:ext>
-    </p:extLst>
-  </p:cSld>
-  <p:clrMapOvr>
-    <a:masterClrMapping/>
-  </p:clrMapOvr>
-</p:sld>
-</file>
-
-<file path=ppt/slides/slide8.xml><?xml version="1.0" encoding="utf-8"?>
-<p:sld xmlns:a="http://schemas.openxmlformats.org/drawingml/2006/main" xmlns:r="http://schemas.openxmlformats.org/officeDocument/2006/relationships" xmlns:p="http://schemas.openxmlformats.org/presentationml/2006/main">
-  <p:cSld>
-    <p:spTree>
-      <p:nvGrpSpPr>
-        <p:cNvPr id="1" name=""/>
-        <p:cNvGrpSpPr/>
-        <p:nvPr/>
-      </p:nvGrpSpPr>
-      <p:grpSpPr>
-        <a:xfrm>
-          <a:off x="0" y="0"/>
-          <a:ext cx="0" cy="0"/>
-          <a:chOff x="0" y="0"/>
-          <a:chExt cx="0" cy="0"/>
-        </a:xfrm>
-      </p:grpSpPr>
-      <p:sp>
-        <p:nvSpPr>
-          <p:cNvPr id="2" name="Title 1">
-            <a:extLst>
-              <a:ext uri="{FF2B5EF4-FFF2-40B4-BE49-F238E27FC236}">
-                <a16:creationId xmlns:a16="http://schemas.microsoft.com/office/drawing/2014/main" id="{4B5DC7F5-E6F6-BB51-E07B-E7AEBC85EC61}"/>
-              </a:ext>
-            </a:extLst>
-          </p:cNvPr>
-          <p:cNvSpPr>
-            <a:spLocks noGrp="1"/>
-          </p:cNvSpPr>
-          <p:nvPr>
-            <p:ph type="title"/>
-          </p:nvPr>
-        </p:nvSpPr>
-        <p:spPr/>
-        <p:txBody>
-          <a:bodyPr/>
-          <a:lstStyle/>
-          <a:p>
-            <a:endParaRPr lang="en-IN"/>
-          </a:p>
-        </p:txBody>
-      </p:sp>
-      <p:pic>
-        <p:nvPicPr>
-          <p:cNvPr id="5" name="Content Placeholder 4" descr="A screenshot of a computer&#10;&#10;Description automatically generated with medium confidence">
-            <a:extLst>
-              <a:ext uri="{FF2B5EF4-FFF2-40B4-BE49-F238E27FC236}">
-                <a16:creationId xmlns:a16="http://schemas.microsoft.com/office/drawing/2014/main" id="{D744935A-7C46-5FC5-1326-78BB11D4B3AF}"/>
-              </a:ext>
-            </a:extLst>
-          </p:cNvPr>
-          <p:cNvPicPr>
-            <a:picLocks noGrp="1" noChangeAspect="1"/>
-          </p:cNvPicPr>
-          <p:nvPr>
-            <p:ph idx="1"/>
-          </p:nvPr>
-        </p:nvPicPr>
-        <p:blipFill>
-          <a:blip r:embed="rId2"/>
-          <a:stretch>
-            <a:fillRect/>
-          </a:stretch>
-        </p:blipFill>
-        <p:spPr>
-          <a:xfrm>
-            <a:off x="685801" y="480687"/>
-            <a:ext cx="11075143" cy="5882791"/>
-          </a:xfrm>
-        </p:spPr>
-      </p:pic>
-    </p:spTree>
-    <p:extLst>
-      <p:ext uri="{BB962C8B-B14F-4D97-AF65-F5344CB8AC3E}">
-        <p14:creationId xmlns:p14="http://schemas.microsoft.com/office/powerpoint/2010/main" val="2474921546"/>
-      </p:ext>
-    </p:extLst>
-  </p:cSld>
-  <p:clrMapOvr>
-    <a:masterClrMapping/>
-  </p:clrMapOvr>
-</p:sld>
-</file>
-
-<file path=ppt/slides/slide9.xml><?xml version="1.0" encoding="utf-8"?>
-<p:sld xmlns:a="http://schemas.openxmlformats.org/drawingml/2006/main" xmlns:r="http://schemas.openxmlformats.org/officeDocument/2006/relationships" xmlns:p="http://schemas.openxmlformats.org/presentationml/2006/main">
-  <p:cSld>
-    <p:spTree>
-      <p:nvGrpSpPr>
-        <p:cNvPr id="1" name=""/>
-        <p:cNvGrpSpPr/>
-        <p:nvPr/>
-      </p:nvGrpSpPr>
-      <p:grpSpPr>
-        <a:xfrm>
-          <a:off x="0" y="0"/>
-          <a:ext cx="0" cy="0"/>
-          <a:chOff x="0" y="0"/>
-          <a:chExt cx="0" cy="0"/>
-        </a:xfrm>
-      </p:grpSpPr>
-      <p:sp>
-        <p:nvSpPr>
-          <p:cNvPr id="2" name="Title 1">
-            <a:extLst>
-              <a:ext uri="{FF2B5EF4-FFF2-40B4-BE49-F238E27FC236}">
-                <a16:creationId xmlns:a16="http://schemas.microsoft.com/office/drawing/2014/main" id="{C6CC7BFA-AFFA-6584-634C-A34852539D6A}"/>
-              </a:ext>
-            </a:extLst>
-          </p:cNvPr>
-          <p:cNvSpPr>
-            <a:spLocks noGrp="1"/>
-          </p:cNvSpPr>
-          <p:nvPr>
-            <p:ph type="title"/>
-          </p:nvPr>
-        </p:nvSpPr>
-        <p:spPr/>
-        <p:txBody>
-          <a:bodyPr/>
-          <a:lstStyle/>
-          <a:p>
-            <a:endParaRPr lang="en-IN"/>
-          </a:p>
-        </p:txBody>
-      </p:sp>
-      <p:pic>
-        <p:nvPicPr>
-          <p:cNvPr id="5" name="Content Placeholder 4" descr="Graphical user interface, text, application, email&#10;&#10;Description automatically generated">
-            <a:extLst>
-              <a:ext uri="{FF2B5EF4-FFF2-40B4-BE49-F238E27FC236}">
-                <a16:creationId xmlns:a16="http://schemas.microsoft.com/office/drawing/2014/main" id="{12921AA0-5F82-28C8-2869-F950F81D0F60}"/>
-              </a:ext>
-            </a:extLst>
-          </p:cNvPr>
-          <p:cNvPicPr>
-            <a:picLocks noGrp="1" noChangeAspect="1"/>
-          </p:cNvPicPr>
-          <p:nvPr>
-            <p:ph idx="1"/>
-          </p:nvPr>
-        </p:nvPicPr>
-        <p:blipFill>
-          <a:blip r:embed="rId2"/>
-          <a:stretch>
-            <a:fillRect/>
-          </a:stretch>
-        </p:blipFill>
-        <p:spPr>
-          <a:xfrm>
-            <a:off x="114293" y="279918"/>
-            <a:ext cx="11810229" cy="6407946"/>
-          </a:xfrm>
-        </p:spPr>
-      </p:pic>
-    </p:spTree>
-    <p:extLst>
-      <p:ext uri="{BB962C8B-B14F-4D97-AF65-F5344CB8AC3E}">
-        <p14:creationId xmlns:p14="http://schemas.microsoft.com/office/powerpoint/2010/main" val="2802301060"/>
       </p:ext>
     </p:extLst>
   </p:cSld>

--- a/Presentation on malware analysis using redline tool.pptx
+++ b/Presentation on malware analysis using redline tool.pptx
@@ -11,14 +11,15 @@
     <p:sldId id="258" r:id="rId5"/>
     <p:sldId id="266" r:id="rId6"/>
     <p:sldId id="267" r:id="rId7"/>
-    <p:sldId id="269" r:id="rId8"/>
-    <p:sldId id="259" r:id="rId9"/>
-    <p:sldId id="260" r:id="rId10"/>
-    <p:sldId id="261" r:id="rId11"/>
-    <p:sldId id="262" r:id="rId12"/>
-    <p:sldId id="263" r:id="rId13"/>
-    <p:sldId id="265" r:id="rId14"/>
-    <p:sldId id="264" r:id="rId15"/>
+    <p:sldId id="270" r:id="rId8"/>
+    <p:sldId id="269" r:id="rId9"/>
+    <p:sldId id="259" r:id="rId10"/>
+    <p:sldId id="260" r:id="rId11"/>
+    <p:sldId id="261" r:id="rId12"/>
+    <p:sldId id="262" r:id="rId13"/>
+    <p:sldId id="263" r:id="rId14"/>
+    <p:sldId id="265" r:id="rId15"/>
+    <p:sldId id="264" r:id="rId16"/>
   </p:sldIdLst>
   <p:sldSz cx="12192000" cy="6858000"/>
   <p:notesSz cx="6858000" cy="9144000"/>
@@ -5884,6 +5885,90 @@
           <p:cNvPr id="2" name="Title 1">
             <a:extLst>
               <a:ext uri="{FF2B5EF4-FFF2-40B4-BE49-F238E27FC236}">
+                <a16:creationId xmlns:a16="http://schemas.microsoft.com/office/drawing/2014/main" id="{69881BAB-B16F-8896-68CF-60C70327B46B}"/>
+              </a:ext>
+            </a:extLst>
+          </p:cNvPr>
+          <p:cNvSpPr>
+            <a:spLocks noGrp="1"/>
+          </p:cNvSpPr>
+          <p:nvPr>
+            <p:ph type="title"/>
+          </p:nvPr>
+        </p:nvSpPr>
+        <p:spPr/>
+        <p:txBody>
+          <a:bodyPr/>
+          <a:lstStyle/>
+          <a:p>
+            <a:endParaRPr lang="en-IN"/>
+          </a:p>
+        </p:txBody>
+      </p:sp>
+      <p:pic>
+        <p:nvPicPr>
+          <p:cNvPr id="5" name="Content Placeholder 4" descr="Graphical user interface, text, application, email&#10;&#10;Description automatically generated">
+            <a:extLst>
+              <a:ext uri="{FF2B5EF4-FFF2-40B4-BE49-F238E27FC236}">
+                <a16:creationId xmlns:a16="http://schemas.microsoft.com/office/drawing/2014/main" id="{D0E4EC92-BD4B-938F-1A96-90AACCAD32BD}"/>
+              </a:ext>
+            </a:extLst>
+          </p:cNvPr>
+          <p:cNvPicPr>
+            <a:picLocks noGrp="1" noChangeAspect="1"/>
+          </p:cNvPicPr>
+          <p:nvPr>
+            <p:ph idx="1"/>
+          </p:nvPr>
+        </p:nvPicPr>
+        <p:blipFill>
+          <a:blip r:embed="rId2"/>
+          <a:stretch>
+            <a:fillRect/>
+          </a:stretch>
+        </p:blipFill>
+        <p:spPr>
+          <a:xfrm>
+            <a:off x="482625" y="452696"/>
+            <a:ext cx="11023574" cy="6200760"/>
+          </a:xfrm>
+        </p:spPr>
+      </p:pic>
+    </p:spTree>
+    <p:extLst>
+      <p:ext uri="{BB962C8B-B14F-4D97-AF65-F5344CB8AC3E}">
+        <p14:creationId xmlns:p14="http://schemas.microsoft.com/office/powerpoint/2010/main" val="2384732673"/>
+      </p:ext>
+    </p:extLst>
+  </p:cSld>
+  <p:clrMapOvr>
+    <a:masterClrMapping/>
+  </p:clrMapOvr>
+</p:sld>
+</file>
+
+<file path=ppt/slides/slide11.xml><?xml version="1.0" encoding="utf-8"?>
+<p:sld xmlns:a="http://schemas.openxmlformats.org/drawingml/2006/main" xmlns:r="http://schemas.openxmlformats.org/officeDocument/2006/relationships" xmlns:p="http://schemas.openxmlformats.org/presentationml/2006/main">
+  <p:cSld>
+    <p:spTree>
+      <p:nvGrpSpPr>
+        <p:cNvPr id="1" name=""/>
+        <p:cNvGrpSpPr/>
+        <p:nvPr/>
+      </p:nvGrpSpPr>
+      <p:grpSpPr>
+        <a:xfrm>
+          <a:off x="0" y="0"/>
+          <a:ext cx="0" cy="0"/>
+          <a:chOff x="0" y="0"/>
+          <a:chExt cx="0" cy="0"/>
+        </a:xfrm>
+      </p:grpSpPr>
+      <p:sp>
+        <p:nvSpPr>
+          <p:cNvPr id="2" name="Title 1">
+            <a:extLst>
+              <a:ext uri="{FF2B5EF4-FFF2-40B4-BE49-F238E27FC236}">
                 <a16:creationId xmlns:a16="http://schemas.microsoft.com/office/drawing/2014/main" id="{4B5DC7F5-E6F6-BB51-E07B-E7AEBC85EC61}"/>
               </a:ext>
             </a:extLst>
@@ -5946,7 +6031,7 @@
 </p:sld>
 </file>
 
-<file path=ppt/slides/slide11.xml><?xml version="1.0" encoding="utf-8"?>
+<file path=ppt/slides/slide12.xml><?xml version="1.0" encoding="utf-8"?>
 <p:sld xmlns:a="http://schemas.openxmlformats.org/drawingml/2006/main" xmlns:r="http://schemas.openxmlformats.org/officeDocument/2006/relationships" xmlns:p="http://schemas.openxmlformats.org/presentationml/2006/main">
   <p:cSld>
     <p:spTree>
@@ -6030,7 +6115,7 @@
 </p:sld>
 </file>
 
-<file path=ppt/slides/slide12.xml><?xml version="1.0" encoding="utf-8"?>
+<file path=ppt/slides/slide13.xml><?xml version="1.0" encoding="utf-8"?>
 <p:sld xmlns:a="http://schemas.openxmlformats.org/drawingml/2006/main" xmlns:r="http://schemas.openxmlformats.org/officeDocument/2006/relationships" xmlns:p="http://schemas.openxmlformats.org/presentationml/2006/main">
   <p:cSld>
     <p:spTree>
@@ -6115,7 +6200,7 @@
 </p:sld>
 </file>
 
-<file path=ppt/slides/slide13.xml><?xml version="1.0" encoding="utf-8"?>
+<file path=ppt/slides/slide14.xml><?xml version="1.0" encoding="utf-8"?>
 <p:sld xmlns:a="http://schemas.openxmlformats.org/drawingml/2006/main" xmlns:r="http://schemas.openxmlformats.org/officeDocument/2006/relationships" xmlns:p="http://schemas.openxmlformats.org/presentationml/2006/main">
   <p:cSld>
     <p:spTree>
@@ -6244,7 +6329,7 @@
 </p:sld>
 </file>
 
-<file path=ppt/slides/slide14.xml><?xml version="1.0" encoding="utf-8"?>
+<file path=ppt/slides/slide15.xml><?xml version="1.0" encoding="utf-8"?>
 <p:sld xmlns:a="http://schemas.openxmlformats.org/drawingml/2006/main" xmlns:r="http://schemas.openxmlformats.org/officeDocument/2006/relationships" xmlns:p="http://schemas.openxmlformats.org/presentationml/2006/main">
   <p:cSld>
     <p:spTree>
@@ -6935,7 +7020,7 @@
           <p:cNvPr id="2" name="Title 1">
             <a:extLst>
               <a:ext uri="{FF2B5EF4-FFF2-40B4-BE49-F238E27FC236}">
-                <a16:creationId xmlns:a16="http://schemas.microsoft.com/office/drawing/2014/main" id="{C4CC547E-C520-4C29-2CC1-70AB59491D5D}"/>
+                <a16:creationId xmlns:a16="http://schemas.microsoft.com/office/drawing/2014/main" id="{B9634CEE-7699-FCDC-2836-69208AFE3290}"/>
               </a:ext>
             </a:extLst>
           </p:cNvPr>
@@ -6953,7 +7038,15 @@
           <a:p>
             <a:r>
               <a:rPr lang="en-IN" dirty="0"/>
-              <a:t>Steps to run the analysis</a:t>
+              <a:t>What are </a:t>
+            </a:r>
+            <a:r>
+              <a:rPr lang="en-IN" dirty="0" err="1"/>
+              <a:t>iocs</a:t>
+            </a:r>
+            <a:r>
+              <a:rPr lang="en-IN" dirty="0"/>
+              <a:t>?</a:t>
             </a:r>
           </a:p>
         </p:txBody>
@@ -6963,7 +7056,7 @@
           <p:cNvPr id="3" name="Content Placeholder 2">
             <a:extLst>
               <a:ext uri="{FF2B5EF4-FFF2-40B4-BE49-F238E27FC236}">
-                <a16:creationId xmlns:a16="http://schemas.microsoft.com/office/drawing/2014/main" id="{C900B211-C75A-7C1D-D344-4A01B322E5E6}"/>
+                <a16:creationId xmlns:a16="http://schemas.microsoft.com/office/drawing/2014/main" id="{C90E4EF4-2A4A-072B-F1F1-50AD5C954F7B}"/>
               </a:ext>
             </a:extLst>
           </p:cNvPr>
@@ -6979,47 +7072,50 @@
           <a:bodyPr/>
           <a:lstStyle/>
           <a:p>
-            <a:r>
-              <a:rPr lang="en-IN" dirty="0"/>
-              <a:t>1. Downloading the FireEye Redline tool</a:t>
-            </a:r>
-          </a:p>
-          <a:p>
-            <a:r>
-              <a:rPr lang="en-IN" dirty="0"/>
-              <a:t>https://fireeye.market/apps/211364</a:t>
-            </a:r>
-          </a:p>
-          <a:p>
-            <a:r>
-              <a:rPr lang="en-IN" dirty="0"/>
-              <a:t>2. Creating a collector</a:t>
-            </a:r>
-          </a:p>
-          <a:p>
-            <a:r>
-              <a:rPr lang="en-IN" dirty="0"/>
-              <a:t>3. Running the collector.</a:t>
-            </a:r>
-          </a:p>
-          <a:p>
-            <a:r>
-              <a:rPr lang="en-IN" dirty="0"/>
-              <a:t>4. Analysing the data</a:t>
-            </a:r>
-          </a:p>
-          <a:p>
-            <a:r>
-              <a:rPr lang="en-IN" dirty="0"/>
-              <a:t>5. Running through IOC for searching malwares/ransomwares.</a:t>
-            </a:r>
+            <a:pPr algn="l"/>
+            <a:r>
+              <a:rPr lang="en-US" b="0" i="0" dirty="0">
+                <a:solidFill>
+                  <a:srgbClr val="D1D5DB"/>
+                </a:solidFill>
+                <a:effectLst/>
+                <a:latin typeface="Söhne"/>
+              </a:rPr>
+              <a:t>IOCs (Indicators of Compromise) are pieces of information that can be used to identify potentially malicious activity or attacks on computer systems. Redline is a tool developed by FireEye, which is used to gather IOCs and other data from systems to help identify and respond to potential security incidents.</a:t>
+            </a:r>
+          </a:p>
+          <a:p>
+            <a:pPr algn="l"/>
+            <a:r>
+              <a:rPr lang="en-US" b="0" i="0" dirty="0">
+                <a:solidFill>
+                  <a:srgbClr val="D1D5DB"/>
+                </a:solidFill>
+                <a:effectLst/>
+                <a:latin typeface="Söhne"/>
+              </a:rPr>
+              <a:t>Redline is a free endpoint detection and response (EDR) tool that allows security analysts to collect various artifacts from a system, including running processes, network connections, registry keys, and more. </a:t>
+            </a:r>
+            <a:r>
+              <a:rPr lang="en-US" b="0" i="0">
+                <a:solidFill>
+                  <a:srgbClr val="D1D5DB"/>
+                </a:solidFill>
+                <a:effectLst/>
+                <a:latin typeface="Söhne"/>
+              </a:rPr>
+              <a:t>Analysts can use these artifacts to identify potential IOCs and indicators of attack (IOAs) that may indicate a system has been compromised.</a:t>
+            </a:r>
+          </a:p>
+          <a:p>
+            <a:endParaRPr lang="en-IN"/>
           </a:p>
         </p:txBody>
       </p:sp>
     </p:spTree>
     <p:extLst>
       <p:ext uri="{BB962C8B-B14F-4D97-AF65-F5344CB8AC3E}">
-        <p14:creationId xmlns:p14="http://schemas.microsoft.com/office/powerpoint/2010/main" val="3853682340"/>
+        <p14:creationId xmlns:p14="http://schemas.microsoft.com/office/powerpoint/2010/main" val="1937808043"/>
       </p:ext>
     </p:extLst>
   </p:cSld>
@@ -7051,7 +7147,7 @@
           <p:cNvPr id="2" name="Title 1">
             <a:extLst>
               <a:ext uri="{FF2B5EF4-FFF2-40B4-BE49-F238E27FC236}">
-                <a16:creationId xmlns:a16="http://schemas.microsoft.com/office/drawing/2014/main" id="{908158DD-AFDF-CB87-761B-6DE63BF66DC9}"/>
+                <a16:creationId xmlns:a16="http://schemas.microsoft.com/office/drawing/2014/main" id="{C4CC547E-C520-4C29-2CC1-70AB59491D5D}"/>
               </a:ext>
             </a:extLst>
           </p:cNvPr>
@@ -7069,44 +7165,73 @@
           <a:p>
             <a:r>
               <a:rPr lang="en-IN" dirty="0"/>
-              <a:t>INSTALLATION</a:t>
-            </a:r>
-          </a:p>
-        </p:txBody>
-      </p:sp>
-      <p:pic>
-        <p:nvPicPr>
-          <p:cNvPr id="5" name="Content Placeholder 4" descr="Graphical user interface&#10;&#10;Description automatically generated with medium confidence">
+              <a:t>Steps to run the analysis</a:t>
+            </a:r>
+          </a:p>
+        </p:txBody>
+      </p:sp>
+      <p:sp>
+        <p:nvSpPr>
+          <p:cNvPr id="3" name="Content Placeholder 2">
             <a:extLst>
               <a:ext uri="{FF2B5EF4-FFF2-40B4-BE49-F238E27FC236}">
-                <a16:creationId xmlns:a16="http://schemas.microsoft.com/office/drawing/2014/main" id="{307E399F-478C-8A64-211C-557C490D4C96}"/>
+                <a16:creationId xmlns:a16="http://schemas.microsoft.com/office/drawing/2014/main" id="{C900B211-C75A-7C1D-D344-4A01B322E5E6}"/>
               </a:ext>
             </a:extLst>
           </p:cNvPr>
-          <p:cNvPicPr>
-            <a:picLocks noGrp="1" noChangeAspect="1"/>
-          </p:cNvPicPr>
+          <p:cNvSpPr>
+            <a:spLocks noGrp="1"/>
+          </p:cNvSpPr>
           <p:nvPr>
             <p:ph idx="1"/>
           </p:nvPr>
-        </p:nvPicPr>
-        <p:blipFill>
-          <a:blip r:embed="rId2"/>
-          <a:stretch>
-            <a:fillRect/>
-          </a:stretch>
-        </p:blipFill>
-        <p:spPr>
-          <a:xfrm>
-            <a:off x="613253" y="609600"/>
-            <a:ext cx="10892945" cy="6127282"/>
-          </a:xfrm>
-        </p:spPr>
-      </p:pic>
+        </p:nvSpPr>
+        <p:spPr/>
+        <p:txBody>
+          <a:bodyPr/>
+          <a:lstStyle/>
+          <a:p>
+            <a:r>
+              <a:rPr lang="en-IN" dirty="0"/>
+              <a:t>1. Downloading the FireEye Redline tool</a:t>
+            </a:r>
+          </a:p>
+          <a:p>
+            <a:r>
+              <a:rPr lang="en-IN" dirty="0"/>
+              <a:t>https://fireeye.market/apps/211364</a:t>
+            </a:r>
+          </a:p>
+          <a:p>
+            <a:r>
+              <a:rPr lang="en-IN" dirty="0"/>
+              <a:t>2. Creating a collector</a:t>
+            </a:r>
+          </a:p>
+          <a:p>
+            <a:r>
+              <a:rPr lang="en-IN" dirty="0"/>
+              <a:t>3. Running the collector.</a:t>
+            </a:r>
+          </a:p>
+          <a:p>
+            <a:r>
+              <a:rPr lang="en-IN" dirty="0"/>
+              <a:t>4. Analysing the data</a:t>
+            </a:r>
+          </a:p>
+          <a:p>
+            <a:r>
+              <a:rPr lang="en-IN" dirty="0"/>
+              <a:t>5. Running through IOC for searching malwares/ransomwares.</a:t>
+            </a:r>
+          </a:p>
+        </p:txBody>
+      </p:sp>
     </p:spTree>
     <p:extLst>
       <p:ext uri="{BB962C8B-B14F-4D97-AF65-F5344CB8AC3E}">
-        <p14:creationId xmlns:p14="http://schemas.microsoft.com/office/powerpoint/2010/main" val="255122285"/>
+        <p14:creationId xmlns:p14="http://schemas.microsoft.com/office/powerpoint/2010/main" val="3853682340"/>
       </p:ext>
     </p:extLst>
   </p:cSld>
@@ -7138,7 +7263,7 @@
           <p:cNvPr id="2" name="Title 1">
             <a:extLst>
               <a:ext uri="{FF2B5EF4-FFF2-40B4-BE49-F238E27FC236}">
-                <a16:creationId xmlns:a16="http://schemas.microsoft.com/office/drawing/2014/main" id="{69881BAB-B16F-8896-68CF-60C70327B46B}"/>
+                <a16:creationId xmlns:a16="http://schemas.microsoft.com/office/drawing/2014/main" id="{908158DD-AFDF-CB87-761B-6DE63BF66DC9}"/>
               </a:ext>
             </a:extLst>
           </p:cNvPr>
@@ -7154,16 +7279,19 @@
           <a:bodyPr/>
           <a:lstStyle/>
           <a:p>
-            <a:endParaRPr lang="en-IN"/>
+            <a:r>
+              <a:rPr lang="en-IN" dirty="0"/>
+              <a:t>INSTALLATION</a:t>
+            </a:r>
           </a:p>
         </p:txBody>
       </p:sp>
       <p:pic>
         <p:nvPicPr>
-          <p:cNvPr id="5" name="Content Placeholder 4" descr="Graphical user interface, text, application, email&#10;&#10;Description automatically generated">
+          <p:cNvPr id="5" name="Content Placeholder 4" descr="Graphical user interface&#10;&#10;Description automatically generated with medium confidence">
             <a:extLst>
               <a:ext uri="{FF2B5EF4-FFF2-40B4-BE49-F238E27FC236}">
-                <a16:creationId xmlns:a16="http://schemas.microsoft.com/office/drawing/2014/main" id="{D0E4EC92-BD4B-938F-1A96-90AACCAD32BD}"/>
+                <a16:creationId xmlns:a16="http://schemas.microsoft.com/office/drawing/2014/main" id="{307E399F-478C-8A64-211C-557C490D4C96}"/>
               </a:ext>
             </a:extLst>
           </p:cNvPr>
@@ -7182,15 +7310,15 @@
         </p:blipFill>
         <p:spPr>
           <a:xfrm>
-            <a:off x="482625" y="452696"/>
-            <a:ext cx="11023574" cy="6200760"/>
+            <a:off x="613253" y="609600"/>
+            <a:ext cx="10892945" cy="6127282"/>
           </a:xfrm>
         </p:spPr>
       </p:pic>
     </p:spTree>
     <p:extLst>
       <p:ext uri="{BB962C8B-B14F-4D97-AF65-F5344CB8AC3E}">
-        <p14:creationId xmlns:p14="http://schemas.microsoft.com/office/powerpoint/2010/main" val="2384732673"/>
+        <p14:creationId xmlns:p14="http://schemas.microsoft.com/office/powerpoint/2010/main" val="255122285"/>
       </p:ext>
     </p:extLst>
   </p:cSld>
